--- a/R HOW TO’S.pptx
+++ b/R HOW TO’S.pptx
@@ -11,14 +11,19 @@
     <p:sldId id="262" r:id="rId5"/>
     <p:sldId id="263" r:id="rId6"/>
     <p:sldId id="264" r:id="rId7"/>
-    <p:sldId id="265" r:id="rId8"/>
-    <p:sldId id="266" r:id="rId9"/>
-    <p:sldId id="267" r:id="rId10"/>
-    <p:sldId id="268" r:id="rId11"/>
-    <p:sldId id="269" r:id="rId12"/>
-    <p:sldId id="261" r:id="rId13"/>
-    <p:sldId id="258" r:id="rId14"/>
-    <p:sldId id="257" r:id="rId15"/>
+    <p:sldId id="272" r:id="rId8"/>
+    <p:sldId id="265" r:id="rId9"/>
+    <p:sldId id="266" r:id="rId10"/>
+    <p:sldId id="267" r:id="rId11"/>
+    <p:sldId id="268" r:id="rId12"/>
+    <p:sldId id="269" r:id="rId13"/>
+    <p:sldId id="270" r:id="rId14"/>
+    <p:sldId id="271" r:id="rId15"/>
+    <p:sldId id="273" r:id="rId16"/>
+    <p:sldId id="274" r:id="rId17"/>
+    <p:sldId id="261" r:id="rId18"/>
+    <p:sldId id="258" r:id="rId19"/>
+    <p:sldId id="257" r:id="rId20"/>
   </p:sldIdLst>
   <p:sldSz cx="9144000" cy="6858000" type="screen4x3"/>
   <p:notesSz cx="6858000" cy="9144000"/>
@@ -2400,7 +2405,11 @@
         <a:p>
           <a:r>
             <a:rPr lang="en-US" dirty="0" smtClean="0"/>
-            <a:t>Switch to wide form for month-on-month summaries by candidate. Then plot the results.</a:t>
+            <a:t>Switch to wide form for month-on-month summaries by candidate. Then </a:t>
+          </a:r>
+          <a:r>
+            <a:rPr lang="en-US" dirty="0" smtClean="0"/>
+            <a:t>long form to visualize results.</a:t>
           </a:r>
           <a:endParaRPr lang="en-US" dirty="0"/>
         </a:p>
@@ -2437,11 +2446,7 @@
         <a:p>
           <a:r>
             <a:rPr lang="en-US" dirty="0" smtClean="0"/>
-            <a:t>Hillary </a:t>
-          </a:r>
-          <a:r>
-            <a:rPr lang="en-US" dirty="0" smtClean="0"/>
-            <a:t>has raised the most money so far</a:t>
+            <a:t>Hillary has raised the most money so far</a:t>
           </a:r>
           <a:endParaRPr lang="en-US" dirty="0"/>
         </a:p>
@@ -2478,8 +2483,9 @@
         <a:p>
           <a:r>
             <a:rPr lang="en-US" dirty="0" smtClean="0"/>
-            <a:t>June is the month with most collection</a:t>
+            <a:t>Campaign contributions peaked in June</a:t>
           </a:r>
+          <a:endParaRPr lang="en-US" dirty="0" smtClean="0"/>
         </a:p>
       </dgm:t>
     </dgm:pt>
@@ -2514,11 +2520,15 @@
         <a:p>
           <a:r>
             <a:rPr lang="en-US" dirty="0" smtClean="0"/>
-            <a:t>Pareto </a:t>
+            <a:t>Clinton </a:t>
           </a:r>
           <a:r>
             <a:rPr lang="en-US" dirty="0" smtClean="0"/>
-            <a:t>has Clinton and Sanders among top fund-raisers and not Trump</a:t>
+            <a:t>and Sanders among </a:t>
+          </a:r>
+          <a:r>
+            <a:rPr lang="en-US" dirty="0" smtClean="0"/>
+            <a:t>top-grossing candidates and not Trump (by Pareto)</a:t>
           </a:r>
           <a:endParaRPr lang="en-US" dirty="0"/>
         </a:p>
@@ -2536,6 +2546,80 @@
       </dgm:t>
     </dgm:pt>
     <dgm:pt modelId="{481BAA54-893F-41B3-AC65-9BA391BD26A0}" type="sibTrans" cxnId="{D3CE29BF-8EE3-4BDE-B25A-6DEE31E8AC7E}">
+      <dgm:prSet/>
+      <dgm:spPr/>
+      <dgm:t>
+        <a:bodyPr/>
+        <a:lstStyle/>
+        <a:p>
+          <a:endParaRPr lang="en-US"/>
+        </a:p>
+      </dgm:t>
+    </dgm:pt>
+    <dgm:pt modelId="{32B6D566-74E5-46CF-A1C9-55BD699FA574}">
+      <dgm:prSet phldrT="[Text]"/>
+      <dgm:spPr/>
+      <dgm:t>
+        <a:bodyPr/>
+        <a:lstStyle/>
+        <a:p>
+          <a:r>
+            <a:rPr lang="en-US" dirty="0" smtClean="0"/>
+            <a:t>Trump, Carson, Rubio among candidates.</a:t>
+          </a:r>
+          <a:endParaRPr lang="en-US" dirty="0"/>
+        </a:p>
+      </dgm:t>
+    </dgm:pt>
+    <dgm:pt modelId="{99D40375-193A-4DB5-B88C-437FEDD10400}" type="parTrans" cxnId="{FCC7AABF-842C-46D5-951E-3E83E034C2CA}">
+      <dgm:prSet/>
+      <dgm:spPr/>
+      <dgm:t>
+        <a:bodyPr/>
+        <a:lstStyle/>
+        <a:p>
+          <a:endParaRPr lang="en-US"/>
+        </a:p>
+      </dgm:t>
+    </dgm:pt>
+    <dgm:pt modelId="{945E7CBC-C255-4B63-BA73-FE77C1ECD88A}" type="sibTrans" cxnId="{FCC7AABF-842C-46D5-951E-3E83E034C2CA}">
+      <dgm:prSet/>
+      <dgm:spPr/>
+      <dgm:t>
+        <a:bodyPr/>
+        <a:lstStyle/>
+        <a:p>
+          <a:endParaRPr lang="en-US"/>
+        </a:p>
+      </dgm:t>
+    </dgm:pt>
+    <dgm:pt modelId="{99C4D93A-289D-480C-B862-0AF5493F04E2}">
+      <dgm:prSet/>
+      <dgm:spPr/>
+      <dgm:t>
+        <a:bodyPr/>
+        <a:lstStyle/>
+        <a:p>
+          <a:r>
+            <a:rPr lang="en-US" dirty="0" smtClean="0"/>
+            <a:t>Rand Paul started off early and dropped out</a:t>
+          </a:r>
+          <a:endParaRPr lang="en-US" dirty="0" smtClean="0"/>
+        </a:p>
+      </dgm:t>
+    </dgm:pt>
+    <dgm:pt modelId="{DE073E98-4B4F-4751-8D8A-756F6A072D5A}" type="parTrans" cxnId="{0B31FD0B-6F1F-42CF-8824-2FD382326CEF}">
+      <dgm:prSet/>
+      <dgm:spPr/>
+      <dgm:t>
+        <a:bodyPr/>
+        <a:lstStyle/>
+        <a:p>
+          <a:endParaRPr lang="en-US"/>
+        </a:p>
+      </dgm:t>
+    </dgm:pt>
+    <dgm:pt modelId="{831C47FE-EAA4-49B1-96D0-D798C0A80620}" type="sibTrans" cxnId="{0B31FD0B-6F1F-42CF-8824-2FD382326CEF}">
       <dgm:prSet/>
       <dgm:spPr/>
       <dgm:t>
@@ -2685,17 +2769,21 @@
     <dgm:cxn modelId="{CBFEA110-0BF4-4E84-BD45-0F98EED11D13}" srcId="{BFEF2272-ED8A-42DC-8D7B-92E1DE8758BC}" destId="{6088D635-A960-4123-8777-B649413F7D9A}" srcOrd="2" destOrd="0" parTransId="{64F4BC61-BC6F-4314-A159-9A961FB384D7}" sibTransId="{4946B218-A9D8-4DCA-A6AC-638AA376E8CC}"/>
     <dgm:cxn modelId="{521F9379-6F8D-4208-AB1F-40DD4FE28494}" type="presOf" srcId="{BFEF2272-ED8A-42DC-8D7B-92E1DE8758BC}" destId="{00309DDA-BE4B-4B7B-9507-C4AA67CE02F4}" srcOrd="0" destOrd="0" presId="urn:microsoft.com/office/officeart/2005/8/layout/vList5"/>
     <dgm:cxn modelId="{ECB8EA66-D1EF-4549-80DC-9FA228423862}" type="presOf" srcId="{59507B66-EB4F-4CE5-9B6E-F594DDD71A4B}" destId="{1732FB53-39F1-423A-BF30-58E2BC05BD2A}" srcOrd="0" destOrd="0" presId="urn:microsoft.com/office/officeart/2005/8/layout/vList5"/>
+    <dgm:cxn modelId="{D3CE29BF-8EE3-4BDE-B25A-6DEE31E8AC7E}" srcId="{14939B20-5AFE-4A24-A6DA-C18D14DBBDF4}" destId="{7CA828BA-19D4-42F0-B6FE-E424723AA434}" srcOrd="1" destOrd="0" parTransId="{1A635A04-982E-4F3C-B6B8-48B437AF2247}" sibTransId="{481BAA54-893F-41B3-AC65-9BA391BD26A0}"/>
     <dgm:cxn modelId="{BDE72E54-1CA2-4617-95FF-41E522D24729}" type="presOf" srcId="{7CA828BA-19D4-42F0-B6FE-E424723AA434}" destId="{1732FB53-39F1-423A-BF30-58E2BC05BD2A}" srcOrd="0" destOrd="1" presId="urn:microsoft.com/office/officeart/2005/8/layout/vList5"/>
-    <dgm:cxn modelId="{D3CE29BF-8EE3-4BDE-B25A-6DEE31E8AC7E}" srcId="{14939B20-5AFE-4A24-A6DA-C18D14DBBDF4}" destId="{7CA828BA-19D4-42F0-B6FE-E424723AA434}" srcOrd="1" destOrd="0" parTransId="{1A635A04-982E-4F3C-B6B8-48B437AF2247}" sibTransId="{481BAA54-893F-41B3-AC65-9BA391BD26A0}"/>
     <dgm:cxn modelId="{BF3E7344-1821-4AE7-ACE9-F7A209944B94}" type="presOf" srcId="{E3ED73B8-124E-4869-BCB0-4A27107544B1}" destId="{1C4EE57D-492B-4DA4-8DF5-468420468AB3}" srcOrd="0" destOrd="0" presId="urn:microsoft.com/office/officeart/2005/8/layout/vList5"/>
     <dgm:cxn modelId="{12117F7F-4C2D-4173-95A0-0A0E5BA3E96A}" srcId="{6088D635-A960-4123-8777-B649413F7D9A}" destId="{F1492662-B5FB-4D52-A1E3-9F55F62E0A6B}" srcOrd="1" destOrd="0" parTransId="{6A771E9F-EC6F-4C82-8DC1-317AEF8C6991}" sibTransId="{24573FEE-0888-4A18-9905-7E854D4C6BE1}"/>
     <dgm:cxn modelId="{4976CC68-32C1-4291-B432-8017739E0A15}" type="presOf" srcId="{14939B20-5AFE-4A24-A6DA-C18D14DBBDF4}" destId="{76466EF4-2388-434F-B410-BFC397EF674B}" srcOrd="0" destOrd="0" presId="urn:microsoft.com/office/officeart/2005/8/layout/vList5"/>
     <dgm:cxn modelId="{33CFBB33-39C2-4869-B899-C8E36622FB27}" srcId="{BFEF2272-ED8A-42DC-8D7B-92E1DE8758BC}" destId="{1264BCC9-3361-43C3-8AC1-6D7B745265CF}" srcOrd="0" destOrd="0" parTransId="{C394C08F-B8CA-453C-90FE-B48A2F7B40E0}" sibTransId="{A8C6B035-6E20-4C9E-B377-EAD69ADFC591}"/>
     <dgm:cxn modelId="{FCA088CA-6494-44FF-9C0A-04F6B770135F}" type="presOf" srcId="{09857A0D-F588-4960-828E-096E161EA125}" destId="{DBEE435A-69F8-4CC0-AA99-19B7C1F07759}" srcOrd="0" destOrd="0" presId="urn:microsoft.com/office/officeart/2005/8/layout/vList5"/>
+    <dgm:cxn modelId="{0B31FD0B-6F1F-42CF-8824-2FD382326CEF}" srcId="{6088D635-A960-4123-8777-B649413F7D9A}" destId="{99C4D93A-289D-480C-B862-0AF5493F04E2}" srcOrd="2" destOrd="0" parTransId="{DE073E98-4B4F-4751-8D8A-756F6A072D5A}" sibTransId="{831C47FE-EAA4-49B1-96D0-D798C0A80620}"/>
     <dgm:cxn modelId="{48E8FD07-84DC-4D4B-B46E-AB6A5E16AE58}" type="presOf" srcId="{6088D635-A960-4123-8777-B649413F7D9A}" destId="{D6E13680-878E-4E39-85F5-453D3913A9F8}" srcOrd="0" destOrd="0" presId="urn:microsoft.com/office/officeart/2005/8/layout/vList5"/>
+    <dgm:cxn modelId="{FCC7AABF-842C-46D5-951E-3E83E034C2CA}" srcId="{1264BCC9-3361-43C3-8AC1-6D7B745265CF}" destId="{32B6D566-74E5-46CF-A1C9-55BD699FA574}" srcOrd="2" destOrd="0" parTransId="{99D40375-193A-4DB5-B88C-437FEDD10400}" sibTransId="{945E7CBC-C255-4B63-BA73-FE77C1ECD88A}"/>
     <dgm:cxn modelId="{56370B8E-9FB6-430F-A035-CDF1F8BDFDB6}" srcId="{1264BCC9-3361-43C3-8AC1-6D7B745265CF}" destId="{E3ED73B8-124E-4869-BCB0-4A27107544B1}" srcOrd="0" destOrd="0" parTransId="{9CFCB832-FA67-4485-B13A-F2304A8DB056}" sibTransId="{E5D1127E-FA1D-4170-95EB-14A8C1AB03F8}"/>
+    <dgm:cxn modelId="{0482A5CC-06C6-4D91-9CA6-CC71B06BAD38}" type="presOf" srcId="{32B6D566-74E5-46CF-A1C9-55BD699FA574}" destId="{1C4EE57D-492B-4DA4-8DF5-468420468AB3}" srcOrd="0" destOrd="2" presId="urn:microsoft.com/office/officeart/2005/8/layout/vList5"/>
     <dgm:cxn modelId="{761CDD6B-3F3C-4C67-A04F-DC443FF33184}" type="presOf" srcId="{559ECBBC-0FB3-4860-807E-DE18CECD5F16}" destId="{1C4EE57D-492B-4DA4-8DF5-468420468AB3}" srcOrd="0" destOrd="1" presId="urn:microsoft.com/office/officeart/2005/8/layout/vList5"/>
     <dgm:cxn modelId="{40F35B53-4730-4F81-9A37-634DEB6C4901}" srcId="{14939B20-5AFE-4A24-A6DA-C18D14DBBDF4}" destId="{59507B66-EB4F-4CE5-9B6E-F594DDD71A4B}" srcOrd="0" destOrd="0" parTransId="{AECAA2B2-3BE2-4BC0-9237-E1883A7CE7D7}" sibTransId="{54C70118-FC9F-41EC-AFE2-289B8DB7A0C2}"/>
+    <dgm:cxn modelId="{64899E59-27DD-4FC2-8820-CB809F611C12}" type="presOf" srcId="{99C4D93A-289D-480C-B862-0AF5493F04E2}" destId="{DBEE435A-69F8-4CC0-AA99-19B7C1F07759}" srcOrd="0" destOrd="2" presId="urn:microsoft.com/office/officeart/2005/8/layout/vList5"/>
     <dgm:cxn modelId="{B62CCA37-AA7B-447E-B985-464D077E8D65}" srcId="{6088D635-A960-4123-8777-B649413F7D9A}" destId="{09857A0D-F588-4960-828E-096E161EA125}" srcOrd="0" destOrd="0" parTransId="{593E0BA7-38A3-4FD4-B828-25E1EF85475E}" sibTransId="{2AB1D5FB-276C-4BBB-95E4-EA1241F8C3A2}"/>
     <dgm:cxn modelId="{0299A1B6-D929-410A-9952-9B3D23798D33}" type="presParOf" srcId="{00309DDA-BE4B-4B7B-9507-C4AA67CE02F4}" destId="{76895EEB-A31A-4F4C-AC1F-E6AEB457CCCD}" srcOrd="0" destOrd="0" presId="urn:microsoft.com/office/officeart/2005/8/layout/vList5"/>
     <dgm:cxn modelId="{348E7602-EE75-401B-A9DB-43A2A60D2D17}" type="presParOf" srcId="{76895EEB-A31A-4F4C-AC1F-E6AEB457CCCD}" destId="{3C894059-E5D2-44C9-95AC-DA3458DB22E8}" srcOrd="0" destOrd="0" presId="urn:microsoft.com/office/officeart/2005/8/layout/vList5"/>
@@ -3318,12 +3406,12 @@
         <a:fontRef idx="minor"/>
       </dsp:style>
       <dsp:txBody>
-        <a:bodyPr spcFirstLastPara="0" vert="horz" wrap="square" lIns="80010" tIns="40005" rIns="80010" bIns="40005" numCol="1" spcCol="1270" anchor="ctr" anchorCtr="0">
+        <a:bodyPr spcFirstLastPara="0" vert="horz" wrap="square" lIns="76200" tIns="38100" rIns="76200" bIns="38100" numCol="1" spcCol="1270" anchor="ctr" anchorCtr="0">
           <a:noAutofit/>
         </a:bodyPr>
         <a:lstStyle/>
         <a:p>
-          <a:pPr marL="228600" lvl="1" indent="-228600" algn="l" defTabSz="933450">
+          <a:pPr marL="228600" lvl="1" indent="-228600" algn="l" defTabSz="889000">
             <a:lnSpc>
               <a:spcPct val="90000"/>
             </a:lnSpc>
@@ -3336,17 +3424,17 @@
             <a:buChar char="••"/>
           </a:pPr>
           <a:r>
-            <a:rPr lang="en-US" sz="2100" kern="1200" dirty="0" smtClean="0"/>
+            <a:rPr lang="en-US" sz="2000" kern="1200" dirty="0" smtClean="0"/>
             <a:t>Spreadsheet is loaded into </a:t>
           </a:r>
           <a:r>
-            <a:rPr lang="en-US" sz="2100" kern="1200" dirty="0" err="1" smtClean="0"/>
+            <a:rPr lang="en-US" sz="2000" kern="1200" dirty="0" err="1" smtClean="0"/>
             <a:t>data.frame</a:t>
           </a:r>
-          <a:endParaRPr lang="en-US" sz="2100" kern="1200" dirty="0"/>
+          <a:endParaRPr lang="en-US" sz="2000" kern="1200" dirty="0"/>
         </a:p>
         <a:p>
-          <a:pPr marL="228600" lvl="1" indent="-228600" algn="l" defTabSz="933450">
+          <a:pPr marL="228600" lvl="1" indent="-228600" algn="l" defTabSz="889000">
             <a:lnSpc>
               <a:spcPct val="90000"/>
             </a:lnSpc>
@@ -3359,14 +3447,33 @@
             <a:buChar char="••"/>
           </a:pPr>
           <a:r>
-            <a:rPr lang="en-US" sz="2100" kern="1200" dirty="0" smtClean="0"/>
+            <a:rPr lang="en-US" sz="2000" kern="1200" dirty="0" smtClean="0"/>
             <a:t>Data are stashed in </a:t>
           </a:r>
           <a:r>
-            <a:rPr lang="en-US" sz="2100" kern="1200" dirty="0" err="1" smtClean="0"/>
+            <a:rPr lang="en-US" sz="2000" kern="1200" dirty="0" err="1" smtClean="0"/>
             <a:t>data.table</a:t>
           </a:r>
-          <a:endParaRPr lang="en-US" sz="2100" kern="1200" dirty="0"/>
+          <a:endParaRPr lang="en-US" sz="2000" kern="1200" dirty="0"/>
+        </a:p>
+        <a:p>
+          <a:pPr marL="228600" lvl="1" indent="-228600" algn="l" defTabSz="889000">
+            <a:lnSpc>
+              <a:spcPct val="90000"/>
+            </a:lnSpc>
+            <a:spcBef>
+              <a:spcPct val="0"/>
+            </a:spcBef>
+            <a:spcAft>
+              <a:spcPct val="15000"/>
+            </a:spcAft>
+            <a:buChar char="••"/>
+          </a:pPr>
+          <a:r>
+            <a:rPr lang="en-US" sz="2000" kern="1200" dirty="0" smtClean="0"/>
+            <a:t>Trump, Carson, Rubio among candidates.</a:t>
+          </a:r>
+          <a:endParaRPr lang="en-US" sz="2000" kern="1200" dirty="0"/>
         </a:p>
       </dsp:txBody>
       <dsp:txXfrm rot="5400000">
@@ -3423,12 +3530,12 @@
         </a:fontRef>
       </dsp:style>
       <dsp:txBody>
-        <a:bodyPr spcFirstLastPara="0" vert="horz" wrap="square" lIns="68580" tIns="34290" rIns="68580" bIns="34290" numCol="1" spcCol="1270" anchor="ctr" anchorCtr="0">
+        <a:bodyPr spcFirstLastPara="0" vert="horz" wrap="square" lIns="64770" tIns="32385" rIns="64770" bIns="32385" numCol="1" spcCol="1270" anchor="ctr" anchorCtr="0">
           <a:noAutofit/>
         </a:bodyPr>
         <a:lstStyle/>
         <a:p>
-          <a:pPr lvl="0" algn="ctr" defTabSz="800100">
+          <a:pPr lvl="0" algn="ctr" defTabSz="755650">
             <a:lnSpc>
               <a:spcPct val="90000"/>
             </a:lnSpc>
@@ -3440,10 +3547,10 @@
             </a:spcAft>
           </a:pPr>
           <a:r>
-            <a:rPr lang="en-US" sz="1800" kern="1200" dirty="0" smtClean="0"/>
+            <a:rPr lang="en-US" sz="1700" kern="1200" dirty="0" smtClean="0"/>
             <a:t>Read data in tabular form</a:t>
           </a:r>
-          <a:endParaRPr lang="en-US" sz="1800" kern="1200" dirty="0"/>
+          <a:endParaRPr lang="en-US" sz="1700" kern="1200" dirty="0"/>
         </a:p>
       </dsp:txBody>
       <dsp:txXfrm>
@@ -3502,12 +3609,12 @@
         <a:fontRef idx="minor"/>
       </dsp:style>
       <dsp:txBody>
-        <a:bodyPr spcFirstLastPara="0" vert="horz" wrap="square" lIns="80010" tIns="40005" rIns="80010" bIns="40005" numCol="1" spcCol="1270" anchor="ctr" anchorCtr="0">
+        <a:bodyPr spcFirstLastPara="0" vert="horz" wrap="square" lIns="76200" tIns="38100" rIns="76200" bIns="38100" numCol="1" spcCol="1270" anchor="ctr" anchorCtr="0">
           <a:noAutofit/>
         </a:bodyPr>
         <a:lstStyle/>
         <a:p>
-          <a:pPr marL="228600" lvl="1" indent="-228600" algn="l" defTabSz="933450">
+          <a:pPr marL="228600" lvl="1" indent="-228600" algn="l" defTabSz="889000">
             <a:lnSpc>
               <a:spcPct val="90000"/>
             </a:lnSpc>
@@ -3520,13 +3627,13 @@
             <a:buChar char="••"/>
           </a:pPr>
           <a:r>
-            <a:rPr lang="en-US" sz="2100" kern="1200" dirty="0" smtClean="0"/>
+            <a:rPr lang="en-US" sz="2000" kern="1200" dirty="0" smtClean="0"/>
             <a:t>Candidates have raised over USD 100 M</a:t>
           </a:r>
-          <a:endParaRPr lang="en-US" sz="2100" kern="1200" dirty="0"/>
+          <a:endParaRPr lang="en-US" sz="2000" kern="1200" dirty="0"/>
         </a:p>
         <a:p>
-          <a:pPr marL="228600" lvl="1" indent="-228600" algn="l" defTabSz="933450">
+          <a:pPr marL="228600" lvl="1" indent="-228600" algn="l" defTabSz="889000">
             <a:lnSpc>
               <a:spcPct val="90000"/>
             </a:lnSpc>
@@ -3539,14 +3646,18 @@
             <a:buChar char="••"/>
           </a:pPr>
           <a:r>
-            <a:rPr lang="en-US" sz="2100" kern="1200" dirty="0" smtClean="0"/>
-            <a:t>Pareto </a:t>
+            <a:rPr lang="en-US" sz="2000" kern="1200" dirty="0" smtClean="0"/>
+            <a:t>Clinton </a:t>
           </a:r>
           <a:r>
-            <a:rPr lang="en-US" sz="2100" kern="1200" dirty="0" smtClean="0"/>
-            <a:t>has Clinton and Sanders among top fund-raisers and not Trump</a:t>
+            <a:rPr lang="en-US" sz="2000" kern="1200" dirty="0" smtClean="0"/>
+            <a:t>and Sanders among </a:t>
           </a:r>
-          <a:endParaRPr lang="en-US" sz="2100" kern="1200" dirty="0"/>
+          <a:r>
+            <a:rPr lang="en-US" sz="2000" kern="1200" dirty="0" smtClean="0"/>
+            <a:t>top-grossing candidates and not Trump (by Pareto)</a:t>
+          </a:r>
+          <a:endParaRPr lang="en-US" sz="2000" kern="1200" dirty="0"/>
         </a:p>
       </dsp:txBody>
       <dsp:txXfrm rot="5400000">
@@ -3603,12 +3714,12 @@
         </a:fontRef>
       </dsp:style>
       <dsp:txBody>
-        <a:bodyPr spcFirstLastPara="0" vert="horz" wrap="square" lIns="68580" tIns="34290" rIns="68580" bIns="34290" numCol="1" spcCol="1270" anchor="ctr" anchorCtr="0">
+        <a:bodyPr spcFirstLastPara="0" vert="horz" wrap="square" lIns="64770" tIns="32385" rIns="64770" bIns="32385" numCol="1" spcCol="1270" anchor="ctr" anchorCtr="0">
           <a:noAutofit/>
         </a:bodyPr>
         <a:lstStyle/>
         <a:p>
-          <a:pPr lvl="0" algn="ctr" defTabSz="800100">
+          <a:pPr lvl="0" algn="ctr" defTabSz="755650">
             <a:lnSpc>
               <a:spcPct val="90000"/>
             </a:lnSpc>
@@ -3620,10 +3731,10 @@
             </a:spcAft>
           </a:pPr>
           <a:r>
-            <a:rPr lang="en-US" sz="1800" kern="1200" dirty="0" smtClean="0"/>
+            <a:rPr lang="en-US" sz="1700" kern="1200" dirty="0" smtClean="0"/>
             <a:t>Summarize total campaign finance raised by candidates and execute a Pareto to identify front-runners</a:t>
           </a:r>
-          <a:endParaRPr lang="en-US" sz="1800" kern="1200" dirty="0"/>
+          <a:endParaRPr lang="en-US" sz="1700" kern="1200" dirty="0"/>
         </a:p>
       </dsp:txBody>
       <dsp:txXfrm>
@@ -3682,12 +3793,12 @@
         <a:fontRef idx="minor"/>
       </dsp:style>
       <dsp:txBody>
-        <a:bodyPr spcFirstLastPara="0" vert="horz" wrap="square" lIns="80010" tIns="40005" rIns="80010" bIns="40005" numCol="1" spcCol="1270" anchor="ctr" anchorCtr="0">
+        <a:bodyPr spcFirstLastPara="0" vert="horz" wrap="square" lIns="76200" tIns="38100" rIns="76200" bIns="38100" numCol="1" spcCol="1270" anchor="ctr" anchorCtr="0">
           <a:noAutofit/>
         </a:bodyPr>
         <a:lstStyle/>
         <a:p>
-          <a:pPr marL="228600" lvl="1" indent="-228600" algn="l" defTabSz="933450">
+          <a:pPr marL="228600" lvl="1" indent="-228600" algn="l" defTabSz="889000">
             <a:lnSpc>
               <a:spcPct val="90000"/>
             </a:lnSpc>
@@ -3700,17 +3811,13 @@
             <a:buChar char="••"/>
           </a:pPr>
           <a:r>
-            <a:rPr lang="en-US" sz="2100" kern="1200" dirty="0" smtClean="0"/>
-            <a:t>Hillary </a:t>
+            <a:rPr lang="en-US" sz="2000" kern="1200" dirty="0" smtClean="0"/>
+            <a:t>Hillary has raised the most money so far</a:t>
           </a:r>
-          <a:r>
-            <a:rPr lang="en-US" sz="2100" kern="1200" dirty="0" smtClean="0"/>
-            <a:t>has raised the most money so far</a:t>
-          </a:r>
-          <a:endParaRPr lang="en-US" sz="2100" kern="1200" dirty="0"/>
+          <a:endParaRPr lang="en-US" sz="2000" kern="1200" dirty="0"/>
         </a:p>
         <a:p>
-          <a:pPr marL="228600" lvl="1" indent="-228600" algn="l" defTabSz="933450">
+          <a:pPr marL="228600" lvl="1" indent="-228600" algn="l" defTabSz="889000">
             <a:lnSpc>
               <a:spcPct val="90000"/>
             </a:lnSpc>
@@ -3723,9 +3830,29 @@
             <a:buChar char="••"/>
           </a:pPr>
           <a:r>
-            <a:rPr lang="en-US" sz="2100" kern="1200" dirty="0" smtClean="0"/>
-            <a:t>June is the month with most collection</a:t>
+            <a:rPr lang="en-US" sz="2000" kern="1200" dirty="0" smtClean="0"/>
+            <a:t>Campaign contributions peaked in June</a:t>
           </a:r>
+          <a:endParaRPr lang="en-US" sz="2000" kern="1200" dirty="0" smtClean="0"/>
+        </a:p>
+        <a:p>
+          <a:pPr marL="228600" lvl="1" indent="-228600" algn="l" defTabSz="889000">
+            <a:lnSpc>
+              <a:spcPct val="90000"/>
+            </a:lnSpc>
+            <a:spcBef>
+              <a:spcPct val="0"/>
+            </a:spcBef>
+            <a:spcAft>
+              <a:spcPct val="15000"/>
+            </a:spcAft>
+            <a:buChar char="••"/>
+          </a:pPr>
+          <a:r>
+            <a:rPr lang="en-US" sz="2000" kern="1200" dirty="0" smtClean="0"/>
+            <a:t>Rand Paul started off early and dropped out</a:t>
+          </a:r>
+          <a:endParaRPr lang="en-US" sz="2000" kern="1200" dirty="0" smtClean="0"/>
         </a:p>
       </dsp:txBody>
       <dsp:txXfrm rot="5400000">
@@ -3782,12 +3909,12 @@
         </a:fontRef>
       </dsp:style>
       <dsp:txBody>
-        <a:bodyPr spcFirstLastPara="0" vert="horz" wrap="square" lIns="68580" tIns="34290" rIns="68580" bIns="34290" numCol="1" spcCol="1270" anchor="ctr" anchorCtr="0">
+        <a:bodyPr spcFirstLastPara="0" vert="horz" wrap="square" lIns="64770" tIns="32385" rIns="64770" bIns="32385" numCol="1" spcCol="1270" anchor="ctr" anchorCtr="0">
           <a:noAutofit/>
         </a:bodyPr>
         <a:lstStyle/>
         <a:p>
-          <a:pPr lvl="0" algn="ctr" defTabSz="800100">
+          <a:pPr lvl="0" algn="ctr" defTabSz="755650">
             <a:lnSpc>
               <a:spcPct val="90000"/>
             </a:lnSpc>
@@ -3799,10 +3926,14 @@
             </a:spcAft>
           </a:pPr>
           <a:r>
-            <a:rPr lang="en-US" sz="1800" kern="1200" dirty="0" smtClean="0"/>
-            <a:t>Switch to wide form for month-on-month summaries by candidate. Then plot the results.</a:t>
+            <a:rPr lang="en-US" sz="1700" kern="1200" dirty="0" smtClean="0"/>
+            <a:t>Switch to wide form for month-on-month summaries by candidate. Then </a:t>
           </a:r>
-          <a:endParaRPr lang="en-US" sz="1800" kern="1200" dirty="0"/>
+          <a:r>
+            <a:rPr lang="en-US" sz="1700" kern="1200" dirty="0" smtClean="0"/>
+            <a:t>long form to visualize results.</a:t>
+          </a:r>
+          <a:endParaRPr lang="en-US" sz="1700" kern="1200" dirty="0"/>
         </a:p>
       </dsp:txBody>
       <dsp:txXfrm>
@@ -9388,13 +9519,17 @@
         <p:spPr/>
         <p:txBody>
           <a:bodyPr>
-            <a:normAutofit/>
+            <a:normAutofit fontScale="90000"/>
           </a:bodyPr>
           <a:lstStyle/>
           <a:p>
             <a:r>
               <a:rPr lang="en-US" sz="3100" b="1" dirty="0" smtClean="0"/>
-              <a:t>TOOLS: From the </a:t>
+              <a:t>DATA: Who (</a:t>
+            </a:r>
+            <a:r>
+              <a:rPr lang="en-US" sz="3100" b="1" dirty="0" err="1" smtClean="0"/>
+              <a:t>who:</a:t>
             </a:r>
             <a:r>
               <a:rPr lang="en-US" sz="3100" b="1" dirty="0" err="1" smtClean="0">
@@ -9402,19 +9537,43 @@
                   <a:srgbClr val="00B0F0"/>
                 </a:solidFill>
               </a:rPr>
-              <a:t>data.table</a:t>
-            </a:r>
-            <a:r>
-              <a:rPr lang="en-US" sz="3100" b="1" dirty="0" smtClean="0">
+              <a:t>candidates</a:t>
+            </a:r>
+            <a:r>
+              <a:rPr lang="en-US" sz="3100" b="1" dirty="0" smtClean="0"/>
+              <a:t>) received how much (how </a:t>
+            </a:r>
+            <a:r>
+              <a:rPr lang="en-US" sz="3100" b="1" dirty="0" err="1" smtClean="0"/>
+              <a:t>much:</a:t>
+            </a:r>
+            <a:r>
+              <a:rPr lang="en-US" sz="3100" b="1" dirty="0" err="1" smtClean="0">
                 <a:solidFill>
                   <a:srgbClr val="00B0F0"/>
                 </a:solidFill>
               </a:rPr>
-              <a:t> </a:t>
+              <a:t>dollars</a:t>
             </a:r>
             <a:r>
               <a:rPr lang="en-US" sz="3100" b="1" dirty="0" smtClean="0"/>
-              <a:t>package</a:t>
+              <a:t>) in campaign contributions and where (</a:t>
+            </a:r>
+            <a:r>
+              <a:rPr lang="en-US" sz="3100" b="1" dirty="0" err="1" smtClean="0"/>
+              <a:t>where:</a:t>
+            </a:r>
+            <a:r>
+              <a:rPr lang="en-US" sz="3100" b="1" dirty="0" err="1" smtClean="0">
+                <a:solidFill>
+                  <a:srgbClr val="00B0F0"/>
+                </a:solidFill>
+              </a:rPr>
+              <a:t>state</a:t>
+            </a:r>
+            <a:r>
+              <a:rPr lang="en-US" sz="3100" b="1" dirty="0" smtClean="0"/>
+              <a:t>)?</a:t>
             </a:r>
             <a:endParaRPr lang="en-US" b="1" dirty="0"/>
           </a:p>
@@ -9433,7 +9592,7 @@
         <p:spPr/>
         <p:txBody>
           <a:bodyPr>
-            <a:normAutofit fontScale="85000" lnSpcReduction="20000"/>
+            <a:normAutofit/>
           </a:bodyPr>
           <a:lstStyle/>
           <a:p>
@@ -9442,130 +9601,73 @@
             </a:pPr>
             <a:r>
               <a:rPr lang="en-US" dirty="0" smtClean="0"/>
-              <a:t>Use:</a:t>
+              <a:t>Fields</a:t>
             </a:r>
           </a:p>
           <a:p>
             <a:pPr fontAlgn="ctr"/>
             <a:r>
-              <a:rPr lang="en-US" sz="1400" dirty="0" smtClean="0">
+              <a:rPr lang="en-US" dirty="0" smtClean="0"/>
+              <a:t>Candidates: </a:t>
+            </a:r>
+            <a:r>
+              <a:rPr lang="en-US" dirty="0" smtClean="0">
                 <a:solidFill>
                   <a:srgbClr val="00B0F0"/>
                 </a:solidFill>
-                <a:latin typeface="Courier" pitchFamily="49" charset="0"/>
               </a:rPr>
-              <a:t>library(</a:t>
-            </a:r>
-            <a:r>
-              <a:rPr lang="en-US" sz="1400" dirty="0" err="1" smtClean="0">
+              <a:t>21</a:t>
+            </a:r>
+          </a:p>
+          <a:p>
+            <a:pPr fontAlgn="ctr"/>
+            <a:r>
+              <a:rPr lang="en-US" dirty="0" smtClean="0"/>
+              <a:t>Timeline: </a:t>
+            </a:r>
+            <a:r>
+              <a:rPr lang="en-US" dirty="0" smtClean="0">
                 <a:solidFill>
                   <a:srgbClr val="00B0F0"/>
                 </a:solidFill>
-                <a:latin typeface="Courier" pitchFamily="49" charset="0"/>
               </a:rPr>
-              <a:t>data.table</a:t>
-            </a:r>
-            <a:r>
-              <a:rPr lang="en-US" sz="1400" dirty="0" smtClean="0">
+              <a:t>Until September, 2015</a:t>
+            </a:r>
+          </a:p>
+          <a:p>
+            <a:pPr fontAlgn="ctr"/>
+            <a:r>
+              <a:rPr lang="en-US" dirty="0" smtClean="0"/>
+              <a:t>States: </a:t>
+            </a:r>
+            <a:r>
+              <a:rPr lang="en-US" dirty="0" smtClean="0">
                 <a:solidFill>
                   <a:srgbClr val="00B0F0"/>
                 </a:solidFill>
-                <a:latin typeface="Courier" pitchFamily="49" charset="0"/>
               </a:rPr>
-              <a:t>)</a:t>
+              <a:t>US States &amp; Territories</a:t>
             </a:r>
           </a:p>
           <a:p>
             <a:pPr fontAlgn="ctr"/>
             <a:r>
-              <a:rPr lang="en-US" sz="1400" dirty="0" err="1" smtClean="0">
+              <a:rPr lang="en-US" dirty="0" smtClean="0"/>
+              <a:t>File: </a:t>
+            </a:r>
+            <a:r>
+              <a:rPr lang="en-US" sz="2400" dirty="0" smtClean="0">
                 <a:solidFill>
                   <a:srgbClr val="00B0F0"/>
                 </a:solidFill>
-                <a:latin typeface="Courier" pitchFamily="49" charset="0"/>
               </a:rPr>
-              <a:t>melt.data.table</a:t>
-            </a:r>
-            <a:r>
-              <a:rPr lang="en-US" sz="1400" dirty="0" smtClean="0">
-                <a:solidFill>
-                  <a:srgbClr val="00B0F0"/>
-                </a:solidFill>
-                <a:latin typeface="Courier" pitchFamily="49" charset="0"/>
-              </a:rPr>
-              <a:t>()</a:t>
-            </a:r>
-          </a:p>
-          <a:p>
-            <a:pPr fontAlgn="ctr"/>
-            <a:r>
-              <a:rPr lang="en-US" sz="1400" dirty="0" err="1" smtClean="0">
-                <a:solidFill>
-                  <a:srgbClr val="00B0F0"/>
-                </a:solidFill>
-                <a:latin typeface="Courier" pitchFamily="49" charset="0"/>
-              </a:rPr>
-              <a:t>dcast.data.table</a:t>
-            </a:r>
-            <a:r>
-              <a:rPr lang="en-US" sz="1400" dirty="0" smtClean="0">
-                <a:solidFill>
-                  <a:srgbClr val="00B0F0"/>
-                </a:solidFill>
-                <a:latin typeface="Courier" pitchFamily="49" charset="0"/>
-              </a:rPr>
-              <a:t>()</a:t>
-            </a:r>
-          </a:p>
-          <a:p>
-            <a:pPr fontAlgn="ctr">
-              <a:buNone/>
-            </a:pPr>
-            <a:r>
-              <a:rPr lang="en-US" dirty="0" smtClean="0"/>
-              <a:t>Notes:</a:t>
-            </a:r>
-          </a:p>
-          <a:p>
-            <a:pPr fontAlgn="ctr"/>
-            <a:r>
-              <a:rPr lang="en-US" dirty="0" smtClean="0"/>
-              <a:t>We use the melt and cast functionality for switching between long and wide forms of tabular data.</a:t>
-            </a:r>
-          </a:p>
-          <a:p>
-            <a:pPr fontAlgn="ctr">
-              <a:buNone/>
-            </a:pPr>
-            <a:r>
-              <a:rPr lang="en-US" dirty="0" smtClean="0"/>
-              <a:t>Reference:</a:t>
-            </a:r>
-          </a:p>
-          <a:p>
-            <a:pPr fontAlgn="ctr">
-              <a:buNone/>
-            </a:pPr>
-            <a:r>
-              <a:rPr lang="en-US" dirty="0" smtClean="0"/>
-              <a:t>1. To understand wide and long forms, refer to this tutorial by Sean Anderson </a:t>
-            </a:r>
-            <a:r>
-              <a:rPr lang="en-US" dirty="0" smtClean="0">
-                <a:hlinkClick r:id="rId2"/>
-              </a:rPr>
-              <a:t>here</a:t>
-            </a:r>
-            <a:r>
-              <a:rPr lang="en-US" dirty="0" smtClean="0"/>
-              <a:t>.</a:t>
-            </a:r>
-          </a:p>
-          <a:p>
-            <a:pPr fontAlgn="ctr">
-              <a:buNone/>
-            </a:pPr>
-            <a:endParaRPr lang="en-US" dirty="0" smtClean="0"/>
+              <a:t>P00000001-ALL_.csv</a:t>
+            </a:r>
+            <a:endParaRPr lang="en-US" dirty="0" smtClean="0">
+              <a:solidFill>
+                <a:srgbClr val="00B0F0"/>
+              </a:solidFill>
+            </a:endParaRPr>
           </a:p>
         </p:txBody>
       </p:sp>
@@ -9612,7 +9714,7 @@
       </p:sp>
       <p:pic>
         <p:nvPicPr>
-          <p:cNvPr id="9" name="Content Placeholder 8" descr="dcast-illustration.png"/>
+          <p:cNvPr id="12" name="Content Placeholder 11" descr="FEC_fill.png"/>
           <p:cNvPicPr>
             <a:picLocks noGrp="1" noChangeAspect="1"/>
           </p:cNvPicPr>
@@ -9621,18 +9723,71 @@
           </p:nvPr>
         </p:nvPicPr>
         <p:blipFill>
-          <a:blip r:embed="rId3" cstate="print"/>
+          <a:blip r:embed="rId2" cstate="print"/>
           <a:stretch>
             <a:fillRect/>
           </a:stretch>
         </p:blipFill>
         <p:spPr>
           <a:xfrm>
-            <a:off x="4648200" y="2348706"/>
-            <a:ext cx="4038600" cy="3028950"/>
+            <a:off x="4648200" y="1986814"/>
+            <a:ext cx="4038600" cy="3752735"/>
           </a:xfrm>
         </p:spPr>
       </p:pic>
+      <p:sp>
+        <p:nvSpPr>
+          <p:cNvPr id="13" name="TextBox 12"/>
+          <p:cNvSpPr txBox="1"/>
+          <p:nvPr/>
+        </p:nvSpPr>
+        <p:spPr>
+          <a:xfrm>
+            <a:off x="3886200" y="5867400"/>
+            <a:ext cx="2983295" cy="408623"/>
+          </a:xfrm>
+          <a:prstGeom prst="wedgeRoundRectCallout">
+            <a:avLst>
+              <a:gd name="adj1" fmla="val 1949"/>
+              <a:gd name="adj2" fmla="val -544009"/>
+              <a:gd name="adj3" fmla="val 16667"/>
+            </a:avLst>
+          </a:prstGeom>
+          <a:noFill/>
+          <a:ln>
+            <a:solidFill>
+              <a:schemeClr val="bg1">
+                <a:lumMod val="65000"/>
+              </a:schemeClr>
+            </a:solidFill>
+          </a:ln>
+        </p:spPr>
+        <p:txBody>
+          <a:bodyPr wrap="none" rtlCol="0">
+            <a:spAutoFit/>
+          </a:bodyPr>
+          <a:lstStyle/>
+          <a:p>
+            <a:r>
+              <a:rPr lang="en-US" i="1" dirty="0" smtClean="0">
+                <a:ln>
+                  <a:solidFill>
+                    <a:schemeClr val="bg1"/>
+                  </a:solidFill>
+                </a:ln>
+              </a:rPr>
+              <a:t>Who got off to an early start?</a:t>
+            </a:r>
+            <a:endParaRPr lang="en-US" i="1" dirty="0">
+              <a:ln>
+                <a:solidFill>
+                  <a:schemeClr val="bg1"/>
+                </a:solidFill>
+              </a:ln>
+            </a:endParaRPr>
+          </a:p>
+        </p:txBody>
+      </p:sp>
     </p:spTree>
   </p:cSld>
   <p:clrMapOvr>
@@ -9684,32 +9839,181 @@
           <a:p>
             <a:r>
               <a:rPr lang="en-US" sz="3100" b="1" dirty="0" smtClean="0"/>
-              <a:t>RECIPE: Do and test that..</a:t>
+              <a:t>TOOLS: From the </a:t>
+            </a:r>
+            <a:r>
+              <a:rPr lang="en-US" sz="3100" b="1" dirty="0" err="1" smtClean="0">
+                <a:solidFill>
+                  <a:srgbClr val="00B0F0"/>
+                </a:solidFill>
+              </a:rPr>
+              <a:t>data.table</a:t>
+            </a:r>
+            <a:r>
+              <a:rPr lang="en-US" sz="3100" b="1" dirty="0" smtClean="0">
+                <a:solidFill>
+                  <a:srgbClr val="00B0F0"/>
+                </a:solidFill>
+              </a:rPr>
+              <a:t> </a:t>
+            </a:r>
+            <a:r>
+              <a:rPr lang="en-US" sz="3100" b="1" dirty="0" smtClean="0"/>
+              <a:t>package</a:t>
             </a:r>
             <a:endParaRPr lang="en-US" b="1" dirty="0"/>
           </a:p>
         </p:txBody>
       </p:sp>
-      <p:graphicFrame>
-        <p:nvGraphicFramePr>
-          <p:cNvPr id="8" name="Content Placeholder 7"/>
-          <p:cNvGraphicFramePr>
-            <a:graphicFrameLocks noGrp="1"/>
-          </p:cNvGraphicFramePr>
+      <p:sp>
+        <p:nvSpPr>
+          <p:cNvPr id="3" name="Content Placeholder 2"/>
+          <p:cNvSpPr>
+            <a:spLocks noGrp="1"/>
+          </p:cNvSpPr>
           <p:nvPr>
-            <p:ph idx="1"/>
+            <p:ph sz="half" idx="1"/>
           </p:nvPr>
-        </p:nvGraphicFramePr>
-        <p:xfrm>
-          <a:off x="457200" y="1600200"/>
-          <a:ext cx="8229600" cy="4525963"/>
-        </p:xfrm>
-        <a:graphic>
-          <a:graphicData uri="http://schemas.openxmlformats.org/drawingml/2006/diagram">
-            <dgm:relIds xmlns:dgm="http://schemas.openxmlformats.org/drawingml/2006/diagram" xmlns:r="http://schemas.openxmlformats.org/officeDocument/2006/relationships" r:dm="rId2" r:lo="rId3" r:qs="rId4" r:cs="rId5"/>
-          </a:graphicData>
-        </a:graphic>
-      </p:graphicFrame>
+        </p:nvSpPr>
+        <p:spPr/>
+        <p:txBody>
+          <a:bodyPr>
+            <a:normAutofit fontScale="85000" lnSpcReduction="20000"/>
+          </a:bodyPr>
+          <a:lstStyle/>
+          <a:p>
+            <a:pPr fontAlgn="ctr">
+              <a:buNone/>
+            </a:pPr>
+            <a:r>
+              <a:rPr lang="en-US" dirty="0" smtClean="0"/>
+              <a:t>Use:</a:t>
+            </a:r>
+          </a:p>
+          <a:p>
+            <a:pPr fontAlgn="ctr"/>
+            <a:r>
+              <a:rPr lang="en-US" sz="1400" dirty="0" smtClean="0">
+                <a:solidFill>
+                  <a:srgbClr val="00B0F0"/>
+                </a:solidFill>
+                <a:latin typeface="Courier" pitchFamily="49" charset="0"/>
+              </a:rPr>
+              <a:t>library(</a:t>
+            </a:r>
+            <a:r>
+              <a:rPr lang="en-US" sz="1400" dirty="0" err="1" smtClean="0">
+                <a:solidFill>
+                  <a:srgbClr val="00B0F0"/>
+                </a:solidFill>
+                <a:latin typeface="Courier" pitchFamily="49" charset="0"/>
+              </a:rPr>
+              <a:t>data.table</a:t>
+            </a:r>
+            <a:r>
+              <a:rPr lang="en-US" sz="1400" dirty="0" smtClean="0">
+                <a:solidFill>
+                  <a:srgbClr val="00B0F0"/>
+                </a:solidFill>
+                <a:latin typeface="Courier" pitchFamily="49" charset="0"/>
+              </a:rPr>
+              <a:t>)</a:t>
+            </a:r>
+          </a:p>
+          <a:p>
+            <a:pPr fontAlgn="ctr"/>
+            <a:r>
+              <a:rPr lang="en-US" sz="1400" dirty="0" err="1" smtClean="0">
+                <a:solidFill>
+                  <a:srgbClr val="00B0F0"/>
+                </a:solidFill>
+                <a:latin typeface="Courier" pitchFamily="49" charset="0"/>
+              </a:rPr>
+              <a:t>melt.data.table</a:t>
+            </a:r>
+            <a:r>
+              <a:rPr lang="en-US" sz="1400" dirty="0" smtClean="0">
+                <a:solidFill>
+                  <a:srgbClr val="00B0F0"/>
+                </a:solidFill>
+                <a:latin typeface="Courier" pitchFamily="49" charset="0"/>
+              </a:rPr>
+              <a:t>()</a:t>
+            </a:r>
+          </a:p>
+          <a:p>
+            <a:pPr fontAlgn="ctr"/>
+            <a:r>
+              <a:rPr lang="en-US" sz="1400" dirty="0" err="1" smtClean="0">
+                <a:solidFill>
+                  <a:srgbClr val="00B0F0"/>
+                </a:solidFill>
+                <a:latin typeface="Courier" pitchFamily="49" charset="0"/>
+              </a:rPr>
+              <a:t>dcast.data.table</a:t>
+            </a:r>
+            <a:r>
+              <a:rPr lang="en-US" sz="1400" dirty="0" smtClean="0">
+                <a:solidFill>
+                  <a:srgbClr val="00B0F0"/>
+                </a:solidFill>
+                <a:latin typeface="Courier" pitchFamily="49" charset="0"/>
+              </a:rPr>
+              <a:t>()</a:t>
+            </a:r>
+          </a:p>
+          <a:p>
+            <a:pPr fontAlgn="ctr">
+              <a:buNone/>
+            </a:pPr>
+            <a:r>
+              <a:rPr lang="en-US" dirty="0" smtClean="0"/>
+              <a:t>Notes:</a:t>
+            </a:r>
+          </a:p>
+          <a:p>
+            <a:pPr fontAlgn="ctr"/>
+            <a:r>
+              <a:rPr lang="en-US" dirty="0" smtClean="0"/>
+              <a:t>We use the melt and cast functionality for switching between long and wide forms of tabular data.</a:t>
+            </a:r>
+          </a:p>
+          <a:p>
+            <a:pPr fontAlgn="ctr">
+              <a:buNone/>
+            </a:pPr>
+            <a:r>
+              <a:rPr lang="en-US" dirty="0" smtClean="0"/>
+              <a:t>Reference:</a:t>
+            </a:r>
+          </a:p>
+          <a:p>
+            <a:pPr fontAlgn="ctr">
+              <a:buNone/>
+            </a:pPr>
+            <a:r>
+              <a:rPr lang="en-US" dirty="0" smtClean="0"/>
+              <a:t>1. To understand wide and long forms, refer to this tutorial by Sean Anderson </a:t>
+            </a:r>
+            <a:r>
+              <a:rPr lang="en-US" dirty="0" smtClean="0">
+                <a:hlinkClick r:id="rId2"/>
+              </a:rPr>
+              <a:t>here</a:t>
+            </a:r>
+            <a:r>
+              <a:rPr lang="en-US" dirty="0" smtClean="0"/>
+              <a:t>.</a:t>
+            </a:r>
+          </a:p>
+          <a:p>
+            <a:pPr fontAlgn="ctr">
+              <a:buNone/>
+            </a:pPr>
+            <a:endParaRPr lang="en-US" dirty="0" smtClean="0"/>
+          </a:p>
+        </p:txBody>
+      </p:sp>
       <p:sp>
         <p:nvSpPr>
           <p:cNvPr id="6" name="Rectangle 5"/>
@@ -9751,6 +10055,29 @@
           </a:p>
         </p:txBody>
       </p:sp>
+      <p:pic>
+        <p:nvPicPr>
+          <p:cNvPr id="9" name="Content Placeholder 8" descr="dcast-illustration.png"/>
+          <p:cNvPicPr>
+            <a:picLocks noGrp="1" noChangeAspect="1"/>
+          </p:cNvPicPr>
+          <p:nvPr>
+            <p:ph sz="half" idx="2"/>
+          </p:nvPr>
+        </p:nvPicPr>
+        <p:blipFill>
+          <a:blip r:embed="rId3" cstate="print"/>
+          <a:stretch>
+            <a:fillRect/>
+          </a:stretch>
+        </p:blipFill>
+        <p:spPr>
+          <a:xfrm>
+            <a:off x="4648200" y="2348706"/>
+            <a:ext cx="4038600" cy="3028950"/>
+          </a:xfrm>
+        </p:spPr>
+      </p:pic>
     </p:spTree>
   </p:cSld>
   <p:clrMapOvr>
@@ -9795,35 +10122,75 @@
         </p:nvSpPr>
         <p:spPr/>
         <p:txBody>
-          <a:bodyPr/>
+          <a:bodyPr>
+            <a:normAutofit/>
+          </a:bodyPr>
           <a:lstStyle/>
           <a:p>
             <a:r>
-              <a:rPr lang="en-US" dirty="0" smtClean="0"/>
-              <a:t>Backup</a:t>
-            </a:r>
-            <a:endParaRPr lang="en-US" dirty="0"/>
+              <a:rPr lang="en-US" sz="3100" b="1" dirty="0" smtClean="0"/>
+              <a:t>RECIPE: Do and test that..</a:t>
+            </a:r>
+            <a:endParaRPr lang="en-US" b="1" dirty="0"/>
           </a:p>
         </p:txBody>
       </p:sp>
+      <p:graphicFrame>
+        <p:nvGraphicFramePr>
+          <p:cNvPr id="8" name="Content Placeholder 7"/>
+          <p:cNvGraphicFramePr>
+            <a:graphicFrameLocks noGrp="1"/>
+          </p:cNvGraphicFramePr>
+          <p:nvPr>
+            <p:ph idx="1"/>
+          </p:nvPr>
+        </p:nvGraphicFramePr>
+        <p:xfrm>
+          <a:off x="457200" y="1600200"/>
+          <a:ext cx="8229600" cy="4525963"/>
+        </p:xfrm>
+        <a:graphic>
+          <a:graphicData uri="http://schemas.openxmlformats.org/drawingml/2006/diagram">
+            <dgm:relIds xmlns:dgm="http://schemas.openxmlformats.org/drawingml/2006/diagram" xmlns:r="http://schemas.openxmlformats.org/officeDocument/2006/relationships" r:dm="rId2" r:lo="rId3" r:qs="rId4" r:cs="rId5"/>
+          </a:graphicData>
+        </a:graphic>
+      </p:graphicFrame>
       <p:sp>
         <p:nvSpPr>
-          <p:cNvPr id="3" name="Text Placeholder 2"/>
-          <p:cNvSpPr>
-            <a:spLocks noGrp="1"/>
-          </p:cNvSpPr>
-          <p:nvPr>
-            <p:ph type="body" idx="1"/>
-          </p:nvPr>
+          <p:cNvPr id="6" name="Rectangle 5"/>
+          <p:cNvSpPr/>
+          <p:nvPr/>
         </p:nvSpPr>
-        <p:spPr/>
+        <p:spPr>
+          <a:xfrm>
+            <a:off x="0" y="6488668"/>
+            <a:ext cx="3128036" cy="369332"/>
+          </a:xfrm>
+          <a:prstGeom prst="rect">
+            <a:avLst/>
+          </a:prstGeom>
+        </p:spPr>
         <p:txBody>
-          <a:bodyPr/>
+          <a:bodyPr wrap="none">
+            <a:spAutoFit/>
+          </a:bodyPr>
           <a:lstStyle/>
           <a:p>
             <a:r>
-              <a:rPr lang="en-US" dirty="0" smtClean="0"/>
-              <a:t>NOT FOR USE</a:t>
+              <a:rPr lang="en-US" b="1" dirty="0" smtClean="0">
+                <a:solidFill>
+                  <a:srgbClr val="00B0F0"/>
+                </a:solidFill>
+              </a:rPr>
+              <a:t>HOW TO </a:t>
+            </a:r>
+            <a:r>
+              <a:rPr lang="en-US" b="1" dirty="0" smtClean="0">
+                <a:solidFill>
+                  <a:srgbClr val="FF0000"/>
+                </a:solidFill>
+              </a:rPr>
+              <a:t>PIVOT TABULAR DATA</a:t>
             </a:r>
             <a:endParaRPr lang="en-US" dirty="0"/>
           </a:p>
@@ -9873,6 +10240,638 @@
         </p:nvSpPr>
         <p:spPr/>
         <p:txBody>
+          <a:bodyPr>
+            <a:normAutofit fontScale="90000"/>
+          </a:bodyPr>
+          <a:lstStyle/>
+          <a:p>
+            <a:r>
+              <a:rPr lang="en-US" dirty="0" smtClean="0"/>
+              <a:t>JUST DO IT!</a:t>
+            </a:r>
+            <a:br>
+              <a:rPr lang="en-US" dirty="0" smtClean="0"/>
+            </a:br>
+            <a:r>
+              <a:rPr lang="en-US" sz="3600" b="1" dirty="0" smtClean="0">
+                <a:solidFill>
+                  <a:srgbClr val="FF0000"/>
+                </a:solidFill>
+              </a:rPr>
+              <a:t>TOP GROSSING CANDIDATES &amp; EARLY BIRD</a:t>
+            </a:r>
+            <a:endParaRPr lang="en-US" b="1" dirty="0">
+              <a:solidFill>
+                <a:srgbClr val="FF0000"/>
+              </a:solidFill>
+            </a:endParaRPr>
+          </a:p>
+        </p:txBody>
+      </p:sp>
+      <p:pic>
+        <p:nvPicPr>
+          <p:cNvPr id="5" name="Content Placeholder 4" descr="fec_leaders.png"/>
+          <p:cNvPicPr>
+            <a:picLocks noGrp="1" noChangeAspect="1"/>
+          </p:cNvPicPr>
+          <p:nvPr>
+            <p:ph sz="half" idx="1"/>
+          </p:nvPr>
+        </p:nvPicPr>
+        <p:blipFill>
+          <a:blip r:embed="rId2" cstate="print"/>
+          <a:stretch>
+            <a:fillRect/>
+          </a:stretch>
+        </p:blipFill>
+        <p:spPr>
+          <a:xfrm>
+            <a:off x="457200" y="1986814"/>
+            <a:ext cx="4038600" cy="3752735"/>
+          </a:xfrm>
+        </p:spPr>
+      </p:pic>
+      <p:pic>
+        <p:nvPicPr>
+          <p:cNvPr id="6" name="Content Placeholder 5" descr="fec_early.png"/>
+          <p:cNvPicPr>
+            <a:picLocks noGrp="1" noChangeAspect="1"/>
+          </p:cNvPicPr>
+          <p:nvPr>
+            <p:ph sz="half" idx="2"/>
+          </p:nvPr>
+        </p:nvPicPr>
+        <p:blipFill>
+          <a:blip r:embed="rId3" cstate="print"/>
+          <a:stretch>
+            <a:fillRect/>
+          </a:stretch>
+        </p:blipFill>
+        <p:spPr>
+          <a:xfrm>
+            <a:off x="4648200" y="1986814"/>
+            <a:ext cx="4038600" cy="3752735"/>
+          </a:xfrm>
+        </p:spPr>
+      </p:pic>
+      <p:sp>
+        <p:nvSpPr>
+          <p:cNvPr id="7" name="Rectangular Callout 6"/>
+          <p:cNvSpPr/>
+          <p:nvPr/>
+        </p:nvSpPr>
+        <p:spPr>
+          <a:xfrm>
+            <a:off x="381000" y="5791200"/>
+            <a:ext cx="4343400" cy="646331"/>
+          </a:xfrm>
+          <a:prstGeom prst="wedgeRectCallout">
+            <a:avLst>
+              <a:gd name="adj1" fmla="val 34063"/>
+              <a:gd name="adj2" fmla="val -292084"/>
+            </a:avLst>
+          </a:prstGeom>
+          <a:solidFill>
+            <a:srgbClr val="92D050">
+              <a:alpha val="69804"/>
+            </a:srgbClr>
+          </a:solidFill>
+          <a:ln>
+            <a:solidFill>
+              <a:schemeClr val="accent3"/>
+            </a:solidFill>
+          </a:ln>
+          <a:effectLst>
+            <a:outerShdw blurRad="149987" dist="250190" dir="8460000" algn="ctr">
+              <a:srgbClr val="000000">
+                <a:alpha val="28000"/>
+              </a:srgbClr>
+            </a:outerShdw>
+          </a:effectLst>
+          <a:scene3d>
+            <a:camera prst="orthographicFront">
+              <a:rot lat="0" lon="0" rev="0"/>
+            </a:camera>
+            <a:lightRig rig="contrasting" dir="t">
+              <a:rot lat="0" lon="0" rev="1500000"/>
+            </a:lightRig>
+          </a:scene3d>
+          <a:sp3d prstMaterial="metal">
+            <a:bevelT w="88900" h="88900"/>
+          </a:sp3d>
+        </p:spPr>
+        <p:txBody>
+          <a:bodyPr wrap="square">
+            <a:spAutoFit/>
+          </a:bodyPr>
+          <a:lstStyle/>
+          <a:p>
+            <a:pPr algn="ctr"/>
+            <a:r>
+              <a:rPr lang="en-US" b="1" dirty="0" smtClean="0">
+                <a:solidFill>
+                  <a:srgbClr val="FF0000"/>
+                </a:solidFill>
+              </a:rPr>
+              <a:t>Clinton and </a:t>
+            </a:r>
+            <a:r>
+              <a:rPr lang="en-US" b="1" dirty="0" smtClean="0">
+                <a:solidFill>
+                  <a:srgbClr val="FF0000"/>
+                </a:solidFill>
+              </a:rPr>
+              <a:t>Sanders among top-grossing candidates.</a:t>
+            </a:r>
+            <a:endParaRPr lang="en-US" b="1" dirty="0"/>
+          </a:p>
+        </p:txBody>
+      </p:sp>
+      <p:sp>
+        <p:nvSpPr>
+          <p:cNvPr id="8" name="Rectangular Callout 7"/>
+          <p:cNvSpPr/>
+          <p:nvPr/>
+        </p:nvSpPr>
+        <p:spPr>
+          <a:xfrm>
+            <a:off x="4800600" y="5791200"/>
+            <a:ext cx="3810000" cy="646331"/>
+          </a:xfrm>
+          <a:prstGeom prst="wedgeRectCallout">
+            <a:avLst>
+              <a:gd name="adj1" fmla="val -37542"/>
+              <a:gd name="adj2" fmla="val -299248"/>
+            </a:avLst>
+          </a:prstGeom>
+          <a:solidFill>
+            <a:srgbClr val="92D050">
+              <a:alpha val="69804"/>
+            </a:srgbClr>
+          </a:solidFill>
+          <a:ln>
+            <a:solidFill>
+              <a:schemeClr val="accent3"/>
+            </a:solidFill>
+          </a:ln>
+          <a:effectLst>
+            <a:outerShdw blurRad="149987" dist="250190" dir="8460000" algn="ctr">
+              <a:srgbClr val="000000">
+                <a:alpha val="28000"/>
+              </a:srgbClr>
+            </a:outerShdw>
+          </a:effectLst>
+          <a:scene3d>
+            <a:camera prst="orthographicFront">
+              <a:rot lat="0" lon="0" rev="0"/>
+            </a:camera>
+            <a:lightRig rig="contrasting" dir="t">
+              <a:rot lat="0" lon="0" rev="1500000"/>
+            </a:lightRig>
+          </a:scene3d>
+          <a:sp3d prstMaterial="metal">
+            <a:bevelT w="88900" h="88900"/>
+          </a:sp3d>
+        </p:spPr>
+        <p:txBody>
+          <a:bodyPr wrap="square">
+            <a:spAutoFit/>
+          </a:bodyPr>
+          <a:lstStyle/>
+          <a:p>
+            <a:pPr algn="ctr"/>
+            <a:r>
+              <a:rPr lang="en-US" b="1" dirty="0" smtClean="0">
+                <a:solidFill>
+                  <a:srgbClr val="FF0000"/>
+                </a:solidFill>
+              </a:rPr>
+              <a:t>Some candidates started off earlier than others.</a:t>
+            </a:r>
+          </a:p>
+        </p:txBody>
+      </p:sp>
+    </p:spTree>
+  </p:cSld>
+  <p:clrMapOvr>
+    <a:masterClrMapping/>
+  </p:clrMapOvr>
+  <p:timing>
+    <p:tnLst>
+      <p:par>
+        <p:cTn id="1" dur="indefinite" restart="never" nodeType="tmRoot"/>
+      </p:par>
+    </p:tnLst>
+  </p:timing>
+</p:sld>
+</file>
+
+<file path=ppt/slides/slide14.xml><?xml version="1.0" encoding="utf-8"?>
+<p:sld xmlns:a="http://schemas.openxmlformats.org/drawingml/2006/main" xmlns:r="http://schemas.openxmlformats.org/officeDocument/2006/relationships" xmlns:p="http://schemas.openxmlformats.org/presentationml/2006/main">
+  <p:cSld>
+    <p:spTree>
+      <p:nvGrpSpPr>
+        <p:cNvPr id="1" name=""/>
+        <p:cNvGrpSpPr/>
+        <p:nvPr/>
+      </p:nvGrpSpPr>
+      <p:grpSpPr>
+        <a:xfrm>
+          <a:off x="0" y="0"/>
+          <a:ext cx="0" cy="0"/>
+          <a:chOff x="0" y="0"/>
+          <a:chExt cx="0" cy="0"/>
+        </a:xfrm>
+      </p:grpSpPr>
+      <p:sp>
+        <p:nvSpPr>
+          <p:cNvPr id="2" name="Title 1"/>
+          <p:cNvSpPr>
+            <a:spLocks noGrp="1"/>
+          </p:cNvSpPr>
+          <p:nvPr>
+            <p:ph type="title"/>
+          </p:nvPr>
+        </p:nvSpPr>
+        <p:spPr/>
+        <p:txBody>
+          <a:bodyPr>
+            <a:normAutofit fontScale="90000"/>
+          </a:bodyPr>
+          <a:lstStyle/>
+          <a:p>
+            <a:r>
+              <a:rPr lang="en-US" dirty="0" smtClean="0"/>
+              <a:t>JUST DO IT!</a:t>
+            </a:r>
+            <a:br>
+              <a:rPr lang="en-US" dirty="0" smtClean="0"/>
+            </a:br>
+            <a:r>
+              <a:rPr lang="en-US" b="1" dirty="0" smtClean="0">
+                <a:solidFill>
+                  <a:srgbClr val="FF0000"/>
+                </a:solidFill>
+              </a:rPr>
+              <a:t> TOP GROSSING </a:t>
+            </a:r>
+            <a:r>
+              <a:rPr lang="en-US" b="1" dirty="0" smtClean="0">
+                <a:solidFill>
+                  <a:srgbClr val="FF0000"/>
+                </a:solidFill>
+              </a:rPr>
+              <a:t>MONTH</a:t>
+            </a:r>
+            <a:endParaRPr lang="en-US" dirty="0"/>
+          </a:p>
+        </p:txBody>
+      </p:sp>
+      <p:sp>
+        <p:nvSpPr>
+          <p:cNvPr id="3" name="Content Placeholder 2"/>
+          <p:cNvSpPr>
+            <a:spLocks noGrp="1"/>
+          </p:cNvSpPr>
+          <p:nvPr>
+            <p:ph sz="half" idx="1"/>
+          </p:nvPr>
+        </p:nvSpPr>
+        <p:spPr/>
+        <p:txBody>
+          <a:bodyPr/>
+          <a:lstStyle/>
+          <a:p>
+            <a:r>
+              <a:rPr lang="en-US" dirty="0" smtClean="0"/>
+              <a:t>June was the top-grossing month until September 2015, followed by September.</a:t>
+            </a:r>
+          </a:p>
+          <a:p>
+            <a:r>
+              <a:rPr lang="en-US" dirty="0" smtClean="0"/>
+              <a:t>Clinton and Bush, along Ted Cruz, Carson, Rubio and Sanders led the pack.</a:t>
+            </a:r>
+            <a:endParaRPr lang="en-US" dirty="0"/>
+          </a:p>
+        </p:txBody>
+      </p:sp>
+      <p:pic>
+        <p:nvPicPr>
+          <p:cNvPr id="7" name="Content Placeholder 6" descr="fec_months.png"/>
+          <p:cNvPicPr>
+            <a:picLocks noGrp="1" noChangeAspect="1"/>
+          </p:cNvPicPr>
+          <p:nvPr>
+            <p:ph sz="half" idx="2"/>
+          </p:nvPr>
+        </p:nvPicPr>
+        <p:blipFill>
+          <a:blip r:embed="rId2" cstate="print"/>
+          <a:stretch>
+            <a:fillRect/>
+          </a:stretch>
+        </p:blipFill>
+        <p:spPr>
+          <a:xfrm>
+            <a:off x="4648200" y="1986814"/>
+            <a:ext cx="4038600" cy="3752735"/>
+          </a:xfrm>
+        </p:spPr>
+      </p:pic>
+    </p:spTree>
+  </p:cSld>
+  <p:clrMapOvr>
+    <a:masterClrMapping/>
+  </p:clrMapOvr>
+  <p:timing>
+    <p:tnLst>
+      <p:par>
+        <p:cTn id="1" dur="indefinite" restart="never" nodeType="tmRoot"/>
+      </p:par>
+    </p:tnLst>
+  </p:timing>
+</p:sld>
+</file>
+
+<file path=ppt/slides/slide15.xml><?xml version="1.0" encoding="utf-8"?>
+<p:sld xmlns:a="http://schemas.openxmlformats.org/drawingml/2006/main" xmlns:r="http://schemas.openxmlformats.org/officeDocument/2006/relationships" xmlns:p="http://schemas.openxmlformats.org/presentationml/2006/main">
+  <p:cSld>
+    <p:spTree>
+      <p:nvGrpSpPr>
+        <p:cNvPr id="1" name=""/>
+        <p:cNvGrpSpPr/>
+        <p:nvPr/>
+      </p:nvGrpSpPr>
+      <p:grpSpPr>
+        <a:xfrm>
+          <a:off x="0" y="0"/>
+          <a:ext cx="0" cy="0"/>
+          <a:chOff x="0" y="0"/>
+          <a:chExt cx="0" cy="0"/>
+        </a:xfrm>
+      </p:grpSpPr>
+      <p:pic>
+        <p:nvPicPr>
+          <p:cNvPr id="2" name="Picture 1" descr="just_do_it_leggings.jpg"/>
+          <p:cNvPicPr>
+            <a:picLocks noChangeAspect="1"/>
+          </p:cNvPicPr>
+          <p:nvPr/>
+        </p:nvPicPr>
+        <p:blipFill>
+          <a:blip r:embed="rId2" cstate="print"/>
+          <a:stretch>
+            <a:fillRect/>
+          </a:stretch>
+        </p:blipFill>
+        <p:spPr>
+          <a:xfrm>
+            <a:off x="1884405" y="0"/>
+            <a:ext cx="5375189" cy="6858000"/>
+          </a:xfrm>
+          <a:prstGeom prst="rect">
+            <a:avLst/>
+          </a:prstGeom>
+        </p:spPr>
+      </p:pic>
+    </p:spTree>
+  </p:cSld>
+  <p:clrMapOvr>
+    <a:masterClrMapping/>
+  </p:clrMapOvr>
+  <p:timing>
+    <p:tnLst>
+      <p:par>
+        <p:cTn id="1" dur="indefinite" restart="never" nodeType="tmRoot"/>
+      </p:par>
+    </p:tnLst>
+  </p:timing>
+</p:sld>
+</file>
+
+<file path=ppt/slides/slide16.xml><?xml version="1.0" encoding="utf-8"?>
+<p:sld xmlns:a="http://schemas.openxmlformats.org/drawingml/2006/main" xmlns:r="http://schemas.openxmlformats.org/officeDocument/2006/relationships" xmlns:p="http://schemas.openxmlformats.org/presentationml/2006/main">
+  <p:cSld>
+    <p:spTree>
+      <p:nvGrpSpPr>
+        <p:cNvPr id="1" name=""/>
+        <p:cNvGrpSpPr/>
+        <p:nvPr/>
+      </p:nvGrpSpPr>
+      <p:grpSpPr>
+        <a:xfrm>
+          <a:off x="0" y="0"/>
+          <a:ext cx="0" cy="0"/>
+          <a:chOff x="0" y="0"/>
+          <a:chExt cx="0" cy="0"/>
+        </a:xfrm>
+      </p:grpSpPr>
+      <p:sp>
+        <p:nvSpPr>
+          <p:cNvPr id="2" name="Title 1"/>
+          <p:cNvSpPr>
+            <a:spLocks noGrp="1"/>
+          </p:cNvSpPr>
+          <p:nvPr>
+            <p:ph type="title"/>
+          </p:nvPr>
+        </p:nvSpPr>
+        <p:spPr/>
+        <p:txBody>
+          <a:bodyPr/>
+          <a:lstStyle/>
+          <a:p>
+            <a:r>
+              <a:rPr lang="en-US" dirty="0" smtClean="0"/>
+              <a:t>Includes ..</a:t>
+            </a:r>
+            <a:endParaRPr lang="en-US" dirty="0"/>
+          </a:p>
+        </p:txBody>
+      </p:sp>
+      <p:sp>
+        <p:nvSpPr>
+          <p:cNvPr id="3" name="Content Placeholder 2"/>
+          <p:cNvSpPr>
+            <a:spLocks noGrp="1"/>
+          </p:cNvSpPr>
+          <p:nvPr>
+            <p:ph idx="1"/>
+          </p:nvPr>
+        </p:nvSpPr>
+        <p:spPr/>
+        <p:txBody>
+          <a:bodyPr>
+            <a:normAutofit fontScale="85000" lnSpcReduction="10000"/>
+          </a:bodyPr>
+          <a:lstStyle/>
+          <a:p>
+            <a:r>
+              <a:rPr lang="en-US" dirty="0" smtClean="0"/>
+              <a:t>How to convert date from a string to an object </a:t>
+            </a:r>
+          </a:p>
+          <a:p>
+            <a:r>
+              <a:rPr lang="en-US" dirty="0" smtClean="0"/>
+              <a:t>How to update a column in a spreadsheet</a:t>
+            </a:r>
+          </a:p>
+          <a:p>
+            <a:r>
+              <a:rPr lang="en-US" dirty="0" smtClean="0"/>
+              <a:t>How to apply the split-apply-combine pattern to extract statistical summaries from a spreadsheet</a:t>
+            </a:r>
+          </a:p>
+          <a:p>
+            <a:r>
+              <a:rPr lang="en-US" dirty="0" smtClean="0"/>
+              <a:t>How to chain successive operations on a spreadsheet</a:t>
+            </a:r>
+          </a:p>
+          <a:p>
+            <a:r>
+              <a:rPr lang="en-US" dirty="0" smtClean="0"/>
+              <a:t>How to reorder the rows in a spreadsheet by sorting on one or more columns</a:t>
+            </a:r>
+          </a:p>
+          <a:p>
+            <a:r>
+              <a:rPr lang="en-US" dirty="0" smtClean="0"/>
+              <a:t>How to sort on a factor</a:t>
+            </a:r>
+          </a:p>
+          <a:p>
+            <a:r>
+              <a:rPr lang="en-US" dirty="0" smtClean="0"/>
+              <a:t>How to sort on calendar months</a:t>
+            </a:r>
+          </a:p>
+          <a:p>
+            <a:r>
+              <a:rPr lang="en-US" dirty="0" smtClean="0"/>
+              <a:t>How to calculate cumulative sum over column entries</a:t>
+            </a:r>
+            <a:endParaRPr lang="en-US" dirty="0"/>
+          </a:p>
+        </p:txBody>
+      </p:sp>
+    </p:spTree>
+  </p:cSld>
+  <p:clrMapOvr>
+    <a:masterClrMapping/>
+  </p:clrMapOvr>
+</p:sld>
+</file>
+
+<file path=ppt/slides/slide17.xml><?xml version="1.0" encoding="utf-8"?>
+<p:sld xmlns:a="http://schemas.openxmlformats.org/drawingml/2006/main" xmlns:r="http://schemas.openxmlformats.org/officeDocument/2006/relationships" xmlns:p="http://schemas.openxmlformats.org/presentationml/2006/main">
+  <p:cSld>
+    <p:spTree>
+      <p:nvGrpSpPr>
+        <p:cNvPr id="1" name=""/>
+        <p:cNvGrpSpPr/>
+        <p:nvPr/>
+      </p:nvGrpSpPr>
+      <p:grpSpPr>
+        <a:xfrm>
+          <a:off x="0" y="0"/>
+          <a:ext cx="0" cy="0"/>
+          <a:chOff x="0" y="0"/>
+          <a:chExt cx="0" cy="0"/>
+        </a:xfrm>
+      </p:grpSpPr>
+      <p:sp>
+        <p:nvSpPr>
+          <p:cNvPr id="2" name="Title 1"/>
+          <p:cNvSpPr>
+            <a:spLocks noGrp="1"/>
+          </p:cNvSpPr>
+          <p:nvPr>
+            <p:ph type="title"/>
+          </p:nvPr>
+        </p:nvSpPr>
+        <p:spPr/>
+        <p:txBody>
+          <a:bodyPr/>
+          <a:lstStyle/>
+          <a:p>
+            <a:r>
+              <a:rPr lang="en-US" dirty="0" smtClean="0"/>
+              <a:t>Backup</a:t>
+            </a:r>
+            <a:endParaRPr lang="en-US" dirty="0"/>
+          </a:p>
+        </p:txBody>
+      </p:sp>
+      <p:sp>
+        <p:nvSpPr>
+          <p:cNvPr id="3" name="Text Placeholder 2"/>
+          <p:cNvSpPr>
+            <a:spLocks noGrp="1"/>
+          </p:cNvSpPr>
+          <p:nvPr>
+            <p:ph type="body" idx="1"/>
+          </p:nvPr>
+        </p:nvSpPr>
+        <p:spPr/>
+        <p:txBody>
+          <a:bodyPr/>
+          <a:lstStyle/>
+          <a:p>
+            <a:r>
+              <a:rPr lang="en-US" dirty="0" smtClean="0"/>
+              <a:t>NOT FOR USE</a:t>
+            </a:r>
+            <a:endParaRPr lang="en-US" dirty="0"/>
+          </a:p>
+        </p:txBody>
+      </p:sp>
+    </p:spTree>
+  </p:cSld>
+  <p:clrMapOvr>
+    <a:masterClrMapping/>
+  </p:clrMapOvr>
+  <p:timing>
+    <p:tnLst>
+      <p:par>
+        <p:cTn id="1" dur="indefinite" restart="never" nodeType="tmRoot"/>
+      </p:par>
+    </p:tnLst>
+  </p:timing>
+</p:sld>
+</file>
+
+<file path=ppt/slides/slide18.xml><?xml version="1.0" encoding="utf-8"?>
+<p:sld xmlns:a="http://schemas.openxmlformats.org/drawingml/2006/main" xmlns:r="http://schemas.openxmlformats.org/officeDocument/2006/relationships" xmlns:p="http://schemas.openxmlformats.org/presentationml/2006/main">
+  <p:cSld>
+    <p:spTree>
+      <p:nvGrpSpPr>
+        <p:cNvPr id="1" name=""/>
+        <p:cNvGrpSpPr/>
+        <p:nvPr/>
+      </p:nvGrpSpPr>
+      <p:grpSpPr>
+        <a:xfrm>
+          <a:off x="0" y="0"/>
+          <a:ext cx="0" cy="0"/>
+          <a:chOff x="0" y="0"/>
+          <a:chExt cx="0" cy="0"/>
+        </a:xfrm>
+      </p:grpSpPr>
+      <p:sp>
+        <p:nvSpPr>
+          <p:cNvPr id="2" name="Title 1"/>
+          <p:cNvSpPr>
+            <a:spLocks noGrp="1"/>
+          </p:cNvSpPr>
+          <p:nvPr>
+            <p:ph type="title"/>
+          </p:nvPr>
+        </p:nvSpPr>
+        <p:spPr/>
+        <p:txBody>
           <a:bodyPr/>
           <a:lstStyle/>
           <a:p>
@@ -9990,7 +10989,7 @@
 </p:sld>
 </file>
 
-<file path=ppt/slides/slide14.xml><?xml version="1.0" encoding="utf-8"?>
+<file path=ppt/slides/slide19.xml><?xml version="1.0" encoding="utf-8"?>
 <p:sld xmlns:a="http://schemas.openxmlformats.org/drawingml/2006/main" xmlns:r="http://schemas.openxmlformats.org/officeDocument/2006/relationships" xmlns:p="http://schemas.openxmlformats.org/presentationml/2006/main">
   <p:cSld>
     <p:spTree>
@@ -11284,231 +12283,30 @@
           <a:chExt cx="0" cy="0"/>
         </a:xfrm>
       </p:grpSpPr>
-      <p:sp>
-        <p:nvSpPr>
-          <p:cNvPr id="2" name="Title 1"/>
-          <p:cNvSpPr>
-            <a:spLocks noGrp="1"/>
-          </p:cNvSpPr>
-          <p:nvPr>
-            <p:ph type="title"/>
-          </p:nvPr>
-        </p:nvSpPr>
-        <p:spPr/>
-        <p:txBody>
-          <a:bodyPr/>
-          <a:lstStyle/>
-          <a:p>
-            <a:r>
-              <a:rPr lang="en-US" b="1" dirty="0" smtClean="0">
-                <a:solidFill>
-                  <a:srgbClr val="00B0F0"/>
-                </a:solidFill>
-              </a:rPr>
-              <a:t>HOW TO </a:t>
-            </a:r>
-            <a:r>
-              <a:rPr lang="en-US" b="1" dirty="0" smtClean="0">
-                <a:solidFill>
-                  <a:srgbClr val="FF0000"/>
-                </a:solidFill>
-              </a:rPr>
-              <a:t>PIVOT TABULAR DATA</a:t>
-            </a:r>
-            <a:endParaRPr lang="en-US" b="1" dirty="0">
-              <a:solidFill>
-                <a:srgbClr val="FF0000"/>
-              </a:solidFill>
-            </a:endParaRPr>
-          </a:p>
-        </p:txBody>
-      </p:sp>
-      <p:sp>
-        <p:nvSpPr>
-          <p:cNvPr id="3" name="Content Placeholder 2"/>
-          <p:cNvSpPr>
-            <a:spLocks noGrp="1"/>
-          </p:cNvSpPr>
-          <p:nvPr>
-            <p:ph idx="1"/>
-          </p:nvPr>
-        </p:nvSpPr>
-        <p:spPr/>
-        <p:txBody>
-          <a:bodyPr>
-            <a:normAutofit fontScale="77500" lnSpcReduction="20000"/>
-          </a:bodyPr>
-          <a:lstStyle/>
-          <a:p>
-            <a:pPr fontAlgn="ctr"/>
-            <a:r>
-              <a:rPr lang="en-US" b="1" dirty="0" smtClean="0"/>
-              <a:t>The challenge </a:t>
-            </a:r>
-            <a:r>
-              <a:rPr lang="en-US" dirty="0" smtClean="0"/>
-              <a:t>.. Pivots are the </a:t>
-            </a:r>
-            <a:r>
-              <a:rPr lang="en-US" dirty="0" err="1" smtClean="0"/>
-              <a:t>swiss</a:t>
-            </a:r>
-            <a:r>
-              <a:rPr lang="en-US" dirty="0" smtClean="0"/>
-              <a:t>-knife of data analysis and help elucidate trends and explore correlations.</a:t>
-            </a:r>
-          </a:p>
-          <a:p>
-            <a:pPr fontAlgn="ctr"/>
-            <a:r>
-              <a:rPr lang="en-US" b="1" dirty="0" smtClean="0"/>
-              <a:t>The data </a:t>
-            </a:r>
-            <a:r>
-              <a:rPr lang="en-US" dirty="0" smtClean="0"/>
-              <a:t>.. 2016 Presidential Campaign Finance from Federal Election Commission </a:t>
-            </a:r>
-            <a:r>
-              <a:rPr lang="en-US" dirty="0" smtClean="0">
-                <a:hlinkClick r:id="rId2"/>
-              </a:rPr>
-              <a:t>here</a:t>
-            </a:r>
-            <a:endParaRPr lang="en-US" dirty="0" smtClean="0"/>
-          </a:p>
-          <a:p>
-            <a:pPr fontAlgn="ctr"/>
-            <a:r>
-              <a:rPr lang="en-US" b="1" dirty="0" smtClean="0"/>
-              <a:t>The tools </a:t>
-            </a:r>
-            <a:r>
-              <a:rPr lang="en-US" dirty="0" smtClean="0"/>
-              <a:t>.. </a:t>
-            </a:r>
-            <a:r>
-              <a:rPr lang="en-US" dirty="0" smtClean="0">
-                <a:solidFill>
-                  <a:schemeClr val="bg1">
-                    <a:lumMod val="65000"/>
-                  </a:schemeClr>
-                </a:solidFill>
-              </a:rPr>
-              <a:t>library(</a:t>
-            </a:r>
-            <a:r>
-              <a:rPr lang="en-US" dirty="0" err="1" smtClean="0">
-                <a:solidFill>
-                  <a:schemeClr val="bg1">
-                    <a:lumMod val="65000"/>
-                  </a:schemeClr>
-                </a:solidFill>
-              </a:rPr>
-              <a:t>data.table</a:t>
-            </a:r>
-            <a:r>
-              <a:rPr lang="en-US" dirty="0" smtClean="0">
-                <a:solidFill>
-                  <a:schemeClr val="bg1">
-                    <a:lumMod val="65000"/>
-                  </a:schemeClr>
-                </a:solidFill>
-              </a:rPr>
-              <a:t>), </a:t>
-            </a:r>
-            <a:r>
-              <a:rPr lang="en-US" dirty="0" err="1" smtClean="0"/>
-              <a:t>melt.data.table</a:t>
-            </a:r>
-            <a:r>
-              <a:rPr lang="en-US" dirty="0" smtClean="0"/>
-              <a:t>, </a:t>
-            </a:r>
-            <a:r>
-              <a:rPr lang="en-US" dirty="0" err="1" smtClean="0"/>
-              <a:t>dcast.data.table</a:t>
-            </a:r>
-            <a:endParaRPr lang="en-US" dirty="0" smtClean="0"/>
-          </a:p>
-          <a:p>
-            <a:pPr fontAlgn="ctr"/>
-            <a:r>
-              <a:rPr lang="en-US" b="1" dirty="0" smtClean="0"/>
-              <a:t>The recipe </a:t>
-            </a:r>
-            <a:r>
-              <a:rPr lang="en-US" dirty="0" smtClean="0"/>
-              <a:t>.. Write tests .. Read data</a:t>
-            </a:r>
-            <a:r>
-              <a:rPr lang="en-US" dirty="0" smtClean="0">
-                <a:solidFill>
-                  <a:schemeClr val="bg1">
-                    <a:lumMod val="65000"/>
-                  </a:schemeClr>
-                </a:solidFill>
-              </a:rPr>
-              <a:t>, test size and class of object .. Transform to </a:t>
-            </a:r>
-            <a:r>
-              <a:rPr lang="en-US" dirty="0" err="1" smtClean="0">
-                <a:solidFill>
-                  <a:schemeClr val="bg1">
-                    <a:lumMod val="65000"/>
-                  </a:schemeClr>
-                </a:solidFill>
-              </a:rPr>
-              <a:t>data.table</a:t>
-            </a:r>
-            <a:r>
-              <a:rPr lang="en-US" dirty="0" smtClean="0">
-                <a:solidFill>
-                  <a:schemeClr val="bg1">
-                    <a:lumMod val="65000"/>
-                  </a:schemeClr>
-                </a:solidFill>
-              </a:rPr>
-              <a:t>, test class and range of variables corresponding to query parameters .. </a:t>
-            </a:r>
-            <a:r>
-              <a:rPr lang="en-US" dirty="0" smtClean="0"/>
-              <a:t>Execute pivots</a:t>
-            </a:r>
-            <a:r>
-              <a:rPr lang="en-US" dirty="0" smtClean="0">
-                <a:solidFill>
-                  <a:schemeClr val="bg1">
-                    <a:lumMod val="65000"/>
-                  </a:schemeClr>
-                </a:solidFill>
-              </a:rPr>
-              <a:t> to answer two primary questions, test results about who is the highest, etc.</a:t>
-            </a:r>
-          </a:p>
-          <a:p>
-            <a:pPr fontAlgn="ctr"/>
-            <a:r>
-              <a:rPr lang="en-US" b="1" dirty="0" smtClean="0"/>
-              <a:t>Just do it! </a:t>
-            </a:r>
-            <a:r>
-              <a:rPr lang="en-US" dirty="0" smtClean="0"/>
-              <a:t>.. Flesh out functions till tests pass</a:t>
-            </a:r>
-          </a:p>
-          <a:p>
-            <a:pPr fontAlgn="ctr"/>
-            <a:r>
-              <a:rPr lang="en-US" b="1" dirty="0" smtClean="0"/>
-              <a:t>Keywords</a:t>
-            </a:r>
-            <a:r>
-              <a:rPr lang="en-US" dirty="0" smtClean="0"/>
-              <a:t> .. Use Ontology</a:t>
-            </a:r>
-          </a:p>
-        </p:txBody>
-      </p:sp>
+      <p:pic>
+        <p:nvPicPr>
+          <p:cNvPr id="2" name="Picture 1" descr="just_do_it_leggings.jpg"/>
+          <p:cNvPicPr>
+            <a:picLocks noChangeAspect="1"/>
+          </p:cNvPicPr>
+          <p:nvPr/>
+        </p:nvPicPr>
+        <p:blipFill>
+          <a:blip r:embed="rId2" cstate="print"/>
+          <a:stretch>
+            <a:fillRect/>
+          </a:stretch>
+        </p:blipFill>
+        <p:spPr>
+          <a:xfrm>
+            <a:off x="1884405" y="0"/>
+            <a:ext cx="5375189" cy="6858000"/>
+          </a:xfrm>
+          <a:prstGeom prst="rect">
+            <a:avLst/>
+          </a:prstGeom>
+        </p:spPr>
+      </p:pic>
     </p:spTree>
   </p:cSld>
   <p:clrMapOvr>
@@ -11546,16 +12344,30 @@
         </p:nvSpPr>
         <p:spPr/>
         <p:txBody>
-          <a:bodyPr>
-            <a:normAutofit fontScale="90000"/>
-          </a:bodyPr>
+          <a:bodyPr/>
           <a:lstStyle/>
           <a:p>
             <a:r>
-              <a:rPr lang="en-US" sz="3100" b="1" dirty="0" smtClean="0"/>
-              <a:t>CHALLENGE: How are candidates doing in financing their campaigns for the U.S. presidential race?</a:t>
-            </a:r>
-            <a:endParaRPr lang="en-US" b="1" dirty="0"/>
+              <a:rPr lang="en-US" b="1" dirty="0" smtClean="0">
+                <a:solidFill>
+                  <a:srgbClr val="00B0F0"/>
+                </a:solidFill>
+              </a:rPr>
+              <a:t>HOW TO </a:t>
+            </a:r>
+            <a:r>
+              <a:rPr lang="en-US" b="1" dirty="0" smtClean="0">
+                <a:solidFill>
+                  <a:srgbClr val="FF0000"/>
+                </a:solidFill>
+              </a:rPr>
+              <a:t>PIVOT TABULAR DATA</a:t>
+            </a:r>
+            <a:endParaRPr lang="en-US" b="1" dirty="0">
+              <a:solidFill>
+                <a:srgbClr val="FF0000"/>
+              </a:solidFill>
+            </a:endParaRPr>
           </a:p>
         </p:txBody>
       </p:sp>
@@ -11566,20 +12378,24 @@
             <a:spLocks noGrp="1"/>
           </p:cNvSpPr>
           <p:nvPr>
-            <p:ph sz="half" idx="1"/>
+            <p:ph idx="1"/>
           </p:nvPr>
         </p:nvSpPr>
         <p:spPr/>
         <p:txBody>
           <a:bodyPr>
-            <a:normAutofit fontScale="70000" lnSpcReduction="20000"/>
+            <a:normAutofit fontScale="77500" lnSpcReduction="20000"/>
           </a:bodyPr>
           <a:lstStyle/>
           <a:p>
             <a:pPr fontAlgn="ctr"/>
             <a:r>
+              <a:rPr lang="en-US" b="1" dirty="0" smtClean="0"/>
+              <a:t>The challenge </a:t>
+            </a:r>
+            <a:r>
               <a:rPr lang="en-US" dirty="0" smtClean="0"/>
-              <a:t>Pivots are the </a:t>
+              <a:t>.. Pivots are the </a:t>
             </a:r>
             <a:r>
               <a:rPr lang="en-US" dirty="0" err="1" smtClean="0"/>
@@ -11593,8 +12409,12 @@
           <a:p>
             <a:pPr fontAlgn="ctr"/>
             <a:r>
+              <a:rPr lang="en-US" b="1" dirty="0" smtClean="0"/>
+              <a:t>The data </a:t>
+            </a:r>
+            <a:r>
               <a:rPr lang="en-US" dirty="0" smtClean="0"/>
-              <a:t>The Federal Election Commission regulates the financing of U.S. federal elections. Candidates are required to disclose details of  their campaign finance. The data are available for download on their website </a:t>
+              <a:t>.. 2016 Presidential Campaign Finance from Federal Election Commission </a:t>
             </a:r>
             <a:r>
               <a:rPr lang="en-US" dirty="0" smtClean="0">
@@ -11602,84 +12422,141 @@
               </a:rPr>
               <a:t>here</a:t>
             </a:r>
+            <a:endParaRPr lang="en-US" dirty="0" smtClean="0"/>
+          </a:p>
+          <a:p>
+            <a:pPr fontAlgn="ctr"/>
+            <a:r>
+              <a:rPr lang="en-US" b="1" dirty="0" smtClean="0"/>
+              <a:t>The tools </a:t>
+            </a:r>
             <a:r>
               <a:rPr lang="en-US" dirty="0" smtClean="0"/>
-              <a:t>.</a:t>
-            </a:r>
+              <a:t>.. </a:t>
+            </a:r>
+            <a:r>
+              <a:rPr lang="en-US" dirty="0" smtClean="0">
+                <a:solidFill>
+                  <a:schemeClr val="bg1">
+                    <a:lumMod val="65000"/>
+                  </a:schemeClr>
+                </a:solidFill>
+              </a:rPr>
+              <a:t>library(</a:t>
+            </a:r>
+            <a:r>
+              <a:rPr lang="en-US" dirty="0" err="1" smtClean="0">
+                <a:solidFill>
+                  <a:schemeClr val="bg1">
+                    <a:lumMod val="65000"/>
+                  </a:schemeClr>
+                </a:solidFill>
+              </a:rPr>
+              <a:t>data.table</a:t>
+            </a:r>
+            <a:r>
+              <a:rPr lang="en-US" dirty="0" smtClean="0">
+                <a:solidFill>
+                  <a:schemeClr val="bg1">
+                    <a:lumMod val="65000"/>
+                  </a:schemeClr>
+                </a:solidFill>
+              </a:rPr>
+              <a:t>), </a:t>
+            </a:r>
+            <a:r>
+              <a:rPr lang="en-US" dirty="0" err="1" smtClean="0"/>
+              <a:t>melt.data.table</a:t>
+            </a:r>
+            <a:r>
+              <a:rPr lang="en-US" dirty="0" smtClean="0"/>
+              <a:t>, </a:t>
+            </a:r>
+            <a:r>
+              <a:rPr lang="en-US" dirty="0" err="1" smtClean="0"/>
+              <a:t>dcast.data.table</a:t>
+            </a:r>
+            <a:endParaRPr lang="en-US" dirty="0" smtClean="0"/>
           </a:p>
           <a:p>
             <a:pPr fontAlgn="ctr"/>
             <a:r>
+              <a:rPr lang="en-US" b="1" dirty="0" smtClean="0"/>
+              <a:t>The recipe </a:t>
+            </a:r>
+            <a:r>
               <a:rPr lang="en-US" dirty="0" smtClean="0"/>
-              <a:t>The data has contributions to the 2016 U.S. presidential race organized by location and date among other variables. </a:t>
+              <a:t>.. Write tests .. Read data</a:t>
+            </a:r>
+            <a:r>
+              <a:rPr lang="en-US" dirty="0" smtClean="0">
+                <a:solidFill>
+                  <a:schemeClr val="bg1">
+                    <a:lumMod val="65000"/>
+                  </a:schemeClr>
+                </a:solidFill>
+              </a:rPr>
+              <a:t>, test size and class of object .. Transform to </a:t>
+            </a:r>
+            <a:r>
+              <a:rPr lang="en-US" dirty="0" err="1" smtClean="0">
+                <a:solidFill>
+                  <a:schemeClr val="bg1">
+                    <a:lumMod val="65000"/>
+                  </a:schemeClr>
+                </a:solidFill>
+              </a:rPr>
+              <a:t>data.table</a:t>
+            </a:r>
+            <a:r>
+              <a:rPr lang="en-US" dirty="0" smtClean="0">
+                <a:solidFill>
+                  <a:schemeClr val="bg1">
+                    <a:lumMod val="65000"/>
+                  </a:schemeClr>
+                </a:solidFill>
+              </a:rPr>
+              <a:t>, test class and range of variables corresponding to query parameters .. </a:t>
+            </a:r>
+            <a:r>
+              <a:rPr lang="en-US" dirty="0" smtClean="0"/>
+              <a:t>Execute pivots</a:t>
+            </a:r>
+            <a:r>
+              <a:rPr lang="en-US" dirty="0" smtClean="0">
+                <a:solidFill>
+                  <a:schemeClr val="bg1">
+                    <a:lumMod val="65000"/>
+                  </a:schemeClr>
+                </a:solidFill>
+              </a:rPr>
+              <a:t> to answer two primary questions, test results about who is the highest, etc.</a:t>
+            </a:r>
+          </a:p>
+          <a:p>
+            <a:pPr fontAlgn="ctr"/>
+            <a:r>
+              <a:rPr lang="en-US" b="1" dirty="0" smtClean="0"/>
+              <a:t>Just do it! </a:t>
+            </a:r>
+            <a:r>
+              <a:rPr lang="en-US" dirty="0" smtClean="0"/>
+              <a:t>.. Flesh out functions till tests pass</a:t>
+            </a:r>
+          </a:p>
+          <a:p>
+            <a:pPr fontAlgn="ctr"/>
+            <a:r>
+              <a:rPr lang="en-US" b="1" dirty="0" smtClean="0"/>
+              <a:t>Keywords</a:t>
+            </a:r>
+            <a:r>
+              <a:rPr lang="en-US" dirty="0" smtClean="0"/>
+              <a:t> .. Use Ontology</a:t>
             </a:r>
           </a:p>
         </p:txBody>
       </p:sp>
-      <p:sp>
-        <p:nvSpPr>
-          <p:cNvPr id="6" name="Rectangle 5"/>
-          <p:cNvSpPr/>
-          <p:nvPr/>
-        </p:nvSpPr>
-        <p:spPr>
-          <a:xfrm>
-            <a:off x="0" y="6488668"/>
-            <a:ext cx="3128036" cy="369332"/>
-          </a:xfrm>
-          <a:prstGeom prst="rect">
-            <a:avLst/>
-          </a:prstGeom>
-        </p:spPr>
-        <p:txBody>
-          <a:bodyPr wrap="none">
-            <a:spAutoFit/>
-          </a:bodyPr>
-          <a:lstStyle/>
-          <a:p>
-            <a:r>
-              <a:rPr lang="en-US" b="1" dirty="0" smtClean="0">
-                <a:solidFill>
-                  <a:srgbClr val="00B0F0"/>
-                </a:solidFill>
-              </a:rPr>
-              <a:t>HOW TO </a:t>
-            </a:r>
-            <a:r>
-              <a:rPr lang="en-US" b="1" dirty="0" smtClean="0">
-                <a:solidFill>
-                  <a:srgbClr val="FF0000"/>
-                </a:solidFill>
-              </a:rPr>
-              <a:t>PIVOT TABULAR DATA</a:t>
-            </a:r>
-            <a:endParaRPr lang="en-US" dirty="0"/>
-          </a:p>
-        </p:txBody>
-      </p:sp>
-      <p:pic>
-        <p:nvPicPr>
-          <p:cNvPr id="8" name="Content Placeholder 7" descr="fec.jpg"/>
-          <p:cNvPicPr>
-            <a:picLocks noGrp="1" noChangeAspect="1"/>
-          </p:cNvPicPr>
-          <p:nvPr>
-            <p:ph sz="half" idx="2"/>
-          </p:nvPr>
-        </p:nvPicPr>
-        <p:blipFill>
-          <a:blip r:embed="rId3" cstate="print"/>
-          <a:stretch>
-            <a:fillRect/>
-          </a:stretch>
-        </p:blipFill>
-        <p:spPr>
-          <a:xfrm>
-            <a:off x="5214937" y="3077369"/>
-            <a:ext cx="2905125" cy="1571625"/>
-          </a:xfrm>
-        </p:spPr>
-      </p:pic>
     </p:spTree>
   </p:cSld>
   <p:clrMapOvr>
@@ -11724,55 +12601,7 @@
           <a:p>
             <a:r>
               <a:rPr lang="en-US" sz="3100" b="1" dirty="0" smtClean="0"/>
-              <a:t>DATA: Who (</a:t>
-            </a:r>
-            <a:r>
-              <a:rPr lang="en-US" sz="3100" b="1" dirty="0" err="1" smtClean="0"/>
-              <a:t>who:</a:t>
-            </a:r>
-            <a:r>
-              <a:rPr lang="en-US" sz="3100" b="1" dirty="0" err="1" smtClean="0">
-                <a:solidFill>
-                  <a:srgbClr val="00B0F0"/>
-                </a:solidFill>
-              </a:rPr>
-              <a:t>candidates</a:t>
-            </a:r>
-            <a:r>
-              <a:rPr lang="en-US" sz="3100" b="1" dirty="0" smtClean="0"/>
-              <a:t>) received how much (how </a:t>
-            </a:r>
-            <a:r>
-              <a:rPr lang="en-US" sz="3100" b="1" dirty="0" err="1" smtClean="0"/>
-              <a:t>much:</a:t>
-            </a:r>
-            <a:r>
-              <a:rPr lang="en-US" sz="3100" b="1" dirty="0" err="1" smtClean="0">
-                <a:solidFill>
-                  <a:srgbClr val="00B0F0"/>
-                </a:solidFill>
-              </a:rPr>
-              <a:t>dollars</a:t>
-            </a:r>
-            <a:r>
-              <a:rPr lang="en-US" sz="3100" b="1" dirty="0" smtClean="0"/>
-              <a:t>) in campaign contributions and where (</a:t>
-            </a:r>
-            <a:r>
-              <a:rPr lang="en-US" sz="3100" b="1" dirty="0" err="1" smtClean="0"/>
-              <a:t>where:</a:t>
-            </a:r>
-            <a:r>
-              <a:rPr lang="en-US" sz="3100" b="1" dirty="0" err="1" smtClean="0">
-                <a:solidFill>
-                  <a:srgbClr val="00B0F0"/>
-                </a:solidFill>
-              </a:rPr>
-              <a:t>state</a:t>
-            </a:r>
-            <a:r>
-              <a:rPr lang="en-US" sz="3100" b="1" dirty="0" smtClean="0"/>
-              <a:t>)?</a:t>
+              <a:t>CHALLENGE: How are candidates doing in financing their campaigns for the U.S. presidential race?</a:t>
             </a:r>
             <a:endParaRPr lang="en-US" b="1" dirty="0"/>
           </a:p>
@@ -11791,98 +12620,47 @@
         <p:spPr/>
         <p:txBody>
           <a:bodyPr>
-            <a:normAutofit/>
+            <a:normAutofit fontScale="70000" lnSpcReduction="20000"/>
           </a:bodyPr>
           <a:lstStyle/>
           <a:p>
-            <a:pPr fontAlgn="ctr">
-              <a:buNone/>
-            </a:pPr>
+            <a:pPr fontAlgn="ctr"/>
             <a:r>
               <a:rPr lang="en-US" dirty="0" smtClean="0"/>
-              <a:t>Fields</a:t>
+              <a:t>Pivots are the </a:t>
+            </a:r>
+            <a:r>
+              <a:rPr lang="en-US" dirty="0" err="1" smtClean="0"/>
+              <a:t>swiss</a:t>
+            </a:r>
+            <a:r>
+              <a:rPr lang="en-US" dirty="0" smtClean="0"/>
+              <a:t>-knife of data analysis and help elucidate trends and explore correlations.</a:t>
             </a:r>
           </a:p>
           <a:p>
             <a:pPr fontAlgn="ctr"/>
             <a:r>
               <a:rPr lang="en-US" dirty="0" smtClean="0"/>
-              <a:t>Candidates: </a:t>
+              <a:t>The Federal Election Commission regulates the financing of U.S. federal elections. Candidates are required to disclose details of  their campaign finance. The data are available for download on their website </a:t>
             </a:r>
             <a:r>
               <a:rPr lang="en-US" dirty="0" smtClean="0">
-                <a:solidFill>
-                  <a:srgbClr val="00B0F0"/>
-                </a:solidFill>
+                <a:hlinkClick r:id="rId2"/>
               </a:rPr>
-              <a:t>21</a:t>
+              <a:t>here</a:t>
+            </a:r>
+            <a:r>
+              <a:rPr lang="en-US" dirty="0" smtClean="0"/>
+              <a:t>.</a:t>
             </a:r>
           </a:p>
           <a:p>
             <a:pPr fontAlgn="ctr"/>
             <a:r>
               <a:rPr lang="en-US" dirty="0" smtClean="0"/>
-              <a:t>Timeline: </a:t>
-            </a:r>
-            <a:r>
-              <a:rPr lang="en-US" dirty="0" smtClean="0">
-                <a:solidFill>
-                  <a:srgbClr val="00B0F0"/>
-                </a:solidFill>
-              </a:rPr>
-              <a:t>Until </a:t>
-            </a:r>
-            <a:r>
-              <a:rPr lang="en-US" dirty="0" smtClean="0">
-                <a:solidFill>
-                  <a:srgbClr val="00B0F0"/>
-                </a:solidFill>
-              </a:rPr>
-              <a:t>September, 2015</a:t>
-            </a:r>
-          </a:p>
-          <a:p>
-            <a:pPr fontAlgn="ctr"/>
-            <a:r>
-              <a:rPr lang="en-US" dirty="0" smtClean="0"/>
-              <a:t>States: </a:t>
-            </a:r>
-            <a:r>
-              <a:rPr lang="en-US" dirty="0" smtClean="0">
-                <a:solidFill>
-                  <a:srgbClr val="00B0F0"/>
-                </a:solidFill>
-              </a:rPr>
-              <a:t>US States &amp; </a:t>
-            </a:r>
-            <a:r>
-              <a:rPr lang="en-US" dirty="0" smtClean="0">
-                <a:solidFill>
-                  <a:srgbClr val="00B0F0"/>
-                </a:solidFill>
-              </a:rPr>
-              <a:t>Territories</a:t>
-            </a:r>
-          </a:p>
-          <a:p>
-            <a:pPr fontAlgn="ctr"/>
-            <a:r>
-              <a:rPr lang="en-US" dirty="0" smtClean="0"/>
-              <a:t>File: </a:t>
-            </a:r>
-            <a:r>
-              <a:rPr lang="en-US" sz="2400" dirty="0" smtClean="0">
-                <a:solidFill>
-                  <a:srgbClr val="00B0F0"/>
-                </a:solidFill>
-              </a:rPr>
-              <a:t>P00000001-ALL_.csv</a:t>
-            </a:r>
-            <a:endParaRPr lang="en-US" dirty="0" smtClean="0">
-              <a:solidFill>
-                <a:srgbClr val="00B0F0"/>
-              </a:solidFill>
-            </a:endParaRPr>
+              <a:t>The data has contributions to the 2016 U.S. presidential race organized by location and date among other variables. </a:t>
+            </a:r>
           </a:p>
         </p:txBody>
       </p:sp>
@@ -11929,7 +12707,7 @@
       </p:sp>
       <p:pic>
         <p:nvPicPr>
-          <p:cNvPr id="12" name="Content Placeholder 11" descr="FEC_fill.png"/>
+          <p:cNvPr id="8" name="Content Placeholder 7" descr="fec.jpg"/>
           <p:cNvPicPr>
             <a:picLocks noGrp="1" noChangeAspect="1"/>
           </p:cNvPicPr>
@@ -11938,83 +12716,23 @@
           </p:nvPr>
         </p:nvPicPr>
         <p:blipFill>
-          <a:blip r:embed="rId2" cstate="print"/>
+          <a:blip r:embed="rId3" cstate="print"/>
           <a:stretch>
             <a:fillRect/>
           </a:stretch>
         </p:blipFill>
         <p:spPr>
           <a:xfrm>
-            <a:off x="4648200" y="1986814"/>
-            <a:ext cx="4038600" cy="3752735"/>
+            <a:off x="5214937" y="3077369"/>
+            <a:ext cx="2905125" cy="1571625"/>
           </a:xfrm>
         </p:spPr>
       </p:pic>
-      <p:sp>
-        <p:nvSpPr>
-          <p:cNvPr id="13" name="TextBox 12"/>
-          <p:cNvSpPr txBox="1"/>
-          <p:nvPr/>
-        </p:nvSpPr>
-        <p:spPr>
-          <a:xfrm>
-            <a:off x="3886200" y="5867400"/>
-            <a:ext cx="2983295" cy="408623"/>
-          </a:xfrm>
-          <a:prstGeom prst="wedgeRoundRectCallout">
-            <a:avLst>
-              <a:gd name="adj1" fmla="val 1949"/>
-              <a:gd name="adj2" fmla="val -544009"/>
-              <a:gd name="adj3" fmla="val 16667"/>
-            </a:avLst>
-          </a:prstGeom>
-          <a:noFill/>
-          <a:ln>
-            <a:solidFill>
-              <a:schemeClr val="bg1">
-                <a:lumMod val="65000"/>
-              </a:schemeClr>
-            </a:solidFill>
-          </a:ln>
-        </p:spPr>
-        <p:txBody>
-          <a:bodyPr wrap="none" rtlCol="0">
-            <a:spAutoFit/>
-          </a:bodyPr>
-          <a:lstStyle/>
-          <a:p>
-            <a:r>
-              <a:rPr lang="en-US" i="1" dirty="0" smtClean="0">
-                <a:ln>
-                  <a:solidFill>
-                    <a:schemeClr val="bg1"/>
-                  </a:solidFill>
-                </a:ln>
-              </a:rPr>
-              <a:t>Who got off to an early start?</a:t>
-            </a:r>
-            <a:endParaRPr lang="en-US" i="1" dirty="0">
-              <a:ln>
-                <a:solidFill>
-                  <a:schemeClr val="bg1"/>
-                </a:solidFill>
-              </a:ln>
-            </a:endParaRPr>
-          </a:p>
-        </p:txBody>
-      </p:sp>
     </p:spTree>
   </p:cSld>
   <p:clrMapOvr>
     <a:masterClrMapping/>
   </p:clrMapOvr>
-  <p:timing>
-    <p:tnLst>
-      <p:par>
-        <p:cTn id="1" dur="indefinite" restart="never" nodeType="tmRoot"/>
-      </p:par>
-    </p:tnLst>
-  </p:timing>
 </p:sld>
 </file>
 
